--- a/Презентация.pptx
+++ b/Презентация.pptx
@@ -1,21 +1,22 @@
 
 <file path=ppt/presentation.xml><?xml version="1.0" encoding="utf-8"?>
-<p:presentation xmlns:a="http://schemas.openxmlformats.org/drawingml/2006/main" xmlns:r="http://schemas.openxmlformats.org/officeDocument/2006/relationships" xmlns:p="http://schemas.openxmlformats.org/presentationml/2006/main" saveSubsetFonts="1">
+<p:presentation xmlns:a="http://schemas.openxmlformats.org/drawingml/2006/main" xmlns:r="http://schemas.openxmlformats.org/officeDocument/2006/relationships" xmlns:p="http://schemas.openxmlformats.org/presentationml/2006/main" showSpecialPlsOnTitleSld="0" saveSubsetFonts="1">
   <p:sldMasterIdLst>
     <p:sldMasterId id="2147483648" r:id="rId4"/>
   </p:sldMasterIdLst>
   <p:notesMasterIdLst>
-    <p:notesMasterId r:id="rId13"/>
+    <p:notesMasterId r:id="rId14"/>
   </p:notesMasterIdLst>
   <p:sldIdLst>
     <p:sldId id="256" r:id="rId5"/>
-    <p:sldId id="258" r:id="rId6"/>
-    <p:sldId id="261" r:id="rId7"/>
-    <p:sldId id="260" r:id="rId8"/>
-    <p:sldId id="262" r:id="rId9"/>
-    <p:sldId id="263" r:id="rId10"/>
-    <p:sldId id="264" r:id="rId11"/>
-    <p:sldId id="259" r:id="rId12"/>
+    <p:sldId id="265" r:id="rId6"/>
+    <p:sldId id="258" r:id="rId7"/>
+    <p:sldId id="261" r:id="rId8"/>
+    <p:sldId id="260" r:id="rId9"/>
+    <p:sldId id="262" r:id="rId10"/>
+    <p:sldId id="263" r:id="rId11"/>
+    <p:sldId id="264" r:id="rId12"/>
+    <p:sldId id="259" r:id="rId13"/>
   </p:sldIdLst>
   <p:sldSz cx="9144000" cy="6858000" type="screen4x3"/>
   <p:notesSz cx="6858000" cy="9144000"/>
@@ -116,7 +117,7 @@
   </p:defaultTextStyle>
   <p:extLst>
     <p:ext uri="{EFAFB233-063F-42B5-8137-9DF3F51BA10A}">
-      <p15:sldGuideLst xmlns:p15="http://schemas.microsoft.com/office/powerpoint/2012/main">
+      <p15:sldGuideLst xmlns:p15="http://schemas.microsoft.com/office/powerpoint/2012/main" xmlns="">
         <p15:guide id="1" orient="horz" pos="2160">
           <p15:clr>
             <a:srgbClr val="A4A3A4"/>
@@ -216,7 +217,7 @@
             <a:fld id="{82B89872-EADB-424F-BCFE-86CD413EEB5F}" type="datetimeFigureOut">
               <a:rPr lang="ru-RU" smtClean="0"/>
               <a:pPr/>
-              <a:t>23.05.2025</a:t>
+              <a:t>24.05.2025</a:t>
             </a:fld>
             <a:endParaRPr lang="ru-RU"/>
           </a:p>
@@ -666,10 +667,9 @@
           <a:bodyPr/>
           <a:lstStyle/>
           <a:p>
-            <a:fld id="{FFF82B0D-5244-49B1-8B00-4B675CAC7682}" type="datetimeFigureOut">
-              <a:rPr lang="ru-RU" smtClean="0"/>
-              <a:pPr/>
-              <a:t>23.05.2025</a:t>
+            <a:fld id="{09F4C3FF-2A93-4094-9912-380B99865F6E}" type="datetime1">
+              <a:rPr lang="ru-RU" smtClean="0"/>
+              <a:t>24.05.2025</a:t>
             </a:fld>
             <a:endParaRPr lang="ru-RU"/>
           </a:p>
@@ -833,10 +833,9 @@
           <a:bodyPr/>
           <a:lstStyle/>
           <a:p>
-            <a:fld id="{FFF82B0D-5244-49B1-8B00-4B675CAC7682}" type="datetimeFigureOut">
-              <a:rPr lang="ru-RU" smtClean="0"/>
-              <a:pPr/>
-              <a:t>23.05.2025</a:t>
+            <a:fld id="{28E7ECC4-BD29-4C60-97CB-304502DBA744}" type="datetime1">
+              <a:rPr lang="ru-RU" smtClean="0"/>
+              <a:t>24.05.2025</a:t>
             </a:fld>
             <a:endParaRPr lang="ru-RU"/>
           </a:p>
@@ -1010,10 +1009,9 @@
           <a:bodyPr/>
           <a:lstStyle/>
           <a:p>
-            <a:fld id="{FFF82B0D-5244-49B1-8B00-4B675CAC7682}" type="datetimeFigureOut">
-              <a:rPr lang="ru-RU" smtClean="0"/>
-              <a:pPr/>
-              <a:t>23.05.2025</a:t>
+            <a:fld id="{FD5F8427-1B27-4E8B-A43A-63C9FF3680AA}" type="datetime1">
+              <a:rPr lang="ru-RU" smtClean="0"/>
+              <a:t>24.05.2025</a:t>
             </a:fld>
             <a:endParaRPr lang="ru-RU"/>
           </a:p>
@@ -1177,10 +1175,9 @@
           <a:bodyPr/>
           <a:lstStyle/>
           <a:p>
-            <a:fld id="{FFF82B0D-5244-49B1-8B00-4B675CAC7682}" type="datetimeFigureOut">
-              <a:rPr lang="ru-RU" smtClean="0"/>
-              <a:pPr/>
-              <a:t>23.05.2025</a:t>
+            <a:fld id="{18EE79D2-51A2-4BAE-AF7D-622ACE5E382A}" type="datetime1">
+              <a:rPr lang="ru-RU" smtClean="0"/>
+              <a:t>24.05.2025</a:t>
             </a:fld>
             <a:endParaRPr lang="ru-RU"/>
           </a:p>
@@ -1420,10 +1417,9 @@
           <a:bodyPr/>
           <a:lstStyle/>
           <a:p>
-            <a:fld id="{FFF82B0D-5244-49B1-8B00-4B675CAC7682}" type="datetimeFigureOut">
-              <a:rPr lang="ru-RU" smtClean="0"/>
-              <a:pPr/>
-              <a:t>23.05.2025</a:t>
+            <a:fld id="{C0E6C5AF-2BB0-4704-9B8A-A705C1AB7E0C}" type="datetime1">
+              <a:rPr lang="ru-RU" smtClean="0"/>
+              <a:t>24.05.2025</a:t>
             </a:fld>
             <a:endParaRPr lang="ru-RU"/>
           </a:p>
@@ -1705,10 +1701,9 @@
           <a:bodyPr/>
           <a:lstStyle/>
           <a:p>
-            <a:fld id="{FFF82B0D-5244-49B1-8B00-4B675CAC7682}" type="datetimeFigureOut">
-              <a:rPr lang="ru-RU" smtClean="0"/>
-              <a:pPr/>
-              <a:t>23.05.2025</a:t>
+            <a:fld id="{E03CA805-BFD0-4711-B8CA-FAC1D7DE6BED}" type="datetime1">
+              <a:rPr lang="ru-RU" smtClean="0"/>
+              <a:t>24.05.2025</a:t>
             </a:fld>
             <a:endParaRPr lang="ru-RU"/>
           </a:p>
@@ -2124,10 +2119,9 @@
           <a:bodyPr/>
           <a:lstStyle/>
           <a:p>
-            <a:fld id="{FFF82B0D-5244-49B1-8B00-4B675CAC7682}" type="datetimeFigureOut">
-              <a:rPr lang="ru-RU" smtClean="0"/>
-              <a:pPr/>
-              <a:t>23.05.2025</a:t>
+            <a:fld id="{469A26B6-34E8-4D4B-B280-2AA4CB6C8078}" type="datetime1">
+              <a:rPr lang="ru-RU" smtClean="0"/>
+              <a:t>24.05.2025</a:t>
             </a:fld>
             <a:endParaRPr lang="ru-RU"/>
           </a:p>
@@ -2239,10 +2233,9 @@
           <a:bodyPr/>
           <a:lstStyle/>
           <a:p>
-            <a:fld id="{FFF82B0D-5244-49B1-8B00-4B675CAC7682}" type="datetimeFigureOut">
-              <a:rPr lang="ru-RU" smtClean="0"/>
-              <a:pPr/>
-              <a:t>23.05.2025</a:t>
+            <a:fld id="{0F5F0849-0B44-4CFD-BACC-EB7A8A2C2BC7}" type="datetime1">
+              <a:rPr lang="ru-RU" smtClean="0"/>
+              <a:t>24.05.2025</a:t>
             </a:fld>
             <a:endParaRPr lang="ru-RU"/>
           </a:p>
@@ -2331,10 +2324,9 @@
           <a:bodyPr/>
           <a:lstStyle/>
           <a:p>
-            <a:fld id="{FFF82B0D-5244-49B1-8B00-4B675CAC7682}" type="datetimeFigureOut">
-              <a:rPr lang="ru-RU" smtClean="0"/>
-              <a:pPr/>
-              <a:t>23.05.2025</a:t>
+            <a:fld id="{67B3BD9E-D15B-4421-BCCF-9AED30186C2E}" type="datetime1">
+              <a:rPr lang="ru-RU" smtClean="0"/>
+              <a:t>24.05.2025</a:t>
             </a:fld>
             <a:endParaRPr lang="ru-RU"/>
           </a:p>
@@ -2605,10 +2597,9 @@
           <a:bodyPr/>
           <a:lstStyle/>
           <a:p>
-            <a:fld id="{FFF82B0D-5244-49B1-8B00-4B675CAC7682}" type="datetimeFigureOut">
-              <a:rPr lang="ru-RU" smtClean="0"/>
-              <a:pPr/>
-              <a:t>23.05.2025</a:t>
+            <a:fld id="{99EA0F94-A060-4E47-8209-BED4340F92DF}" type="datetime1">
+              <a:rPr lang="ru-RU" smtClean="0"/>
+              <a:t>24.05.2025</a:t>
             </a:fld>
             <a:endParaRPr lang="ru-RU"/>
           </a:p>
@@ -2855,10 +2846,9 @@
           <a:bodyPr/>
           <a:lstStyle/>
           <a:p>
-            <a:fld id="{FFF82B0D-5244-49B1-8B00-4B675CAC7682}" type="datetimeFigureOut">
-              <a:rPr lang="ru-RU" smtClean="0"/>
-              <a:pPr/>
-              <a:t>23.05.2025</a:t>
+            <a:fld id="{01402660-97CB-41A8-90EA-E226A0A40069}" type="datetime1">
+              <a:rPr lang="ru-RU" smtClean="0"/>
+              <a:t>24.05.2025</a:t>
             </a:fld>
             <a:endParaRPr lang="ru-RU"/>
           </a:p>
@@ -3068,10 +3058,9 @@
             </a:lvl1pPr>
           </a:lstStyle>
           <a:p>
-            <a:fld id="{FFF82B0D-5244-49B1-8B00-4B675CAC7682}" type="datetimeFigureOut">
-              <a:rPr lang="ru-RU" smtClean="0"/>
-              <a:pPr/>
-              <a:t>23.05.2025</a:t>
+            <a:fld id="{EBAA103E-D081-4A2E-8A1C-320C2BB251D2}" type="datetime1">
+              <a:rPr lang="ru-RU" smtClean="0"/>
+              <a:t>24.05.2025</a:t>
             </a:fld>
             <a:endParaRPr lang="ru-RU"/>
           </a:p>
@@ -3172,6 +3161,7 @@
     <p:sldLayoutId id="2147483658" r:id="rId10"/>
     <p:sldLayoutId id="2147483659" r:id="rId11"/>
   </p:sldLayoutIdLst>
+  <p:hf hdr="0" ftr="0" dt="0"/>
   <p:txStyles>
     <p:titleStyle>
       <a:lvl1pPr algn="ctr" defTabSz="914400" rtl="0" eaLnBrk="1" latinLnBrk="0" hangingPunct="1">
@@ -3632,8 +3622,8 @@
         </p:nvSpPr>
         <p:spPr>
           <a:xfrm>
-            <a:off x="4355976" y="4643446"/>
-            <a:ext cx="3930800" cy="1200329"/>
+            <a:off x="2339752" y="4643446"/>
+            <a:ext cx="5947024" cy="646331"/>
           </a:xfrm>
           <a:prstGeom prst="rect">
             <a:avLst/>
@@ -3656,16 +3646,74 @@
                 <a:ea typeface="Verdana" pitchFamily="34" charset="0"/>
                 <a:cs typeface="Verdana" pitchFamily="34" charset="0"/>
               </a:rPr>
-              <a:t>Краснов Семён Евгеньевич группа СА-22-2</a:t>
-            </a:r>
-            <a:endParaRPr lang="ru-RU" b="1" dirty="0" smtClean="0">
-              <a:solidFill>
-                <a:srgbClr val="13629B"/>
-              </a:solidFill>
-              <a:latin typeface="Verdana" pitchFamily="34" charset="0"/>
-              <a:ea typeface="Verdana" pitchFamily="34" charset="0"/>
-              <a:cs typeface="Verdana" pitchFamily="34" charset="0"/>
-            </a:endParaRPr>
+              <a:t>Студент</a:t>
+            </a:r>
+            <a:r>
+              <a:rPr lang="en-US" b="1" dirty="0" smtClean="0">
+                <a:solidFill>
+                  <a:srgbClr val="13629B"/>
+                </a:solidFill>
+                <a:latin typeface="Verdana" pitchFamily="34" charset="0"/>
+                <a:ea typeface="Verdana" pitchFamily="34" charset="0"/>
+                <a:cs typeface="Verdana" pitchFamily="34" charset="0"/>
+              </a:rPr>
+              <a:t>: </a:t>
+            </a:r>
+            <a:r>
+              <a:rPr lang="ru-RU" b="1" dirty="0" smtClean="0">
+                <a:solidFill>
+                  <a:srgbClr val="13629B"/>
+                </a:solidFill>
+                <a:latin typeface="Verdana" pitchFamily="34" charset="0"/>
+                <a:ea typeface="Verdana" pitchFamily="34" charset="0"/>
+                <a:cs typeface="Verdana" pitchFamily="34" charset="0"/>
+              </a:rPr>
+              <a:t>Краснов </a:t>
+            </a:r>
+            <a:r>
+              <a:rPr lang="en-US" b="1" dirty="0" smtClean="0">
+                <a:solidFill>
+                  <a:srgbClr val="13629B"/>
+                </a:solidFill>
+                <a:latin typeface="Verdana" pitchFamily="34" charset="0"/>
+                <a:ea typeface="Verdana" pitchFamily="34" charset="0"/>
+                <a:cs typeface="Verdana" pitchFamily="34" charset="0"/>
+              </a:rPr>
+              <a:t>C.</a:t>
+            </a:r>
+            <a:r>
+              <a:rPr lang="ru-RU" b="1" dirty="0" smtClean="0">
+                <a:solidFill>
+                  <a:srgbClr val="13629B"/>
+                </a:solidFill>
+                <a:latin typeface="Verdana" pitchFamily="34" charset="0"/>
+                <a:ea typeface="Verdana" pitchFamily="34" charset="0"/>
+                <a:cs typeface="Verdana" pitchFamily="34" charset="0"/>
+              </a:rPr>
+              <a:t>Е.</a:t>
+            </a:r>
+            <a:r>
+              <a:rPr lang="en-US" b="1" dirty="0" smtClean="0">
+                <a:solidFill>
+                  <a:srgbClr val="13629B"/>
+                </a:solidFill>
+                <a:latin typeface="Verdana" pitchFamily="34" charset="0"/>
+                <a:ea typeface="Verdana" pitchFamily="34" charset="0"/>
+                <a:cs typeface="Verdana" pitchFamily="34" charset="0"/>
+              </a:rPr>
+              <a:t>, </a:t>
+            </a:r>
+            <a:r>
+              <a:rPr lang="ru-RU" b="1" dirty="0" smtClean="0">
+                <a:solidFill>
+                  <a:srgbClr val="13629B"/>
+                </a:solidFill>
+                <a:latin typeface="Verdana" pitchFamily="34" charset="0"/>
+                <a:ea typeface="Verdana" pitchFamily="34" charset="0"/>
+                <a:cs typeface="Verdana" pitchFamily="34" charset="0"/>
+              </a:rPr>
+              <a:t>группа СА-22-2</a:t>
+            </a:r>
           </a:p>
           <a:p>
             <a:pPr algn="r"/>
@@ -3678,27 +3726,8 @@
                 <a:ea typeface="Verdana" pitchFamily="34" charset="0"/>
                 <a:cs typeface="Verdana" pitchFamily="34" charset="0"/>
               </a:rPr>
-              <a:t>Преподаватель</a:t>
-            </a:r>
-            <a:r>
-              <a:rPr lang="ru-RU" b="1" dirty="0" smtClean="0">
-                <a:solidFill>
-                  <a:srgbClr val="13629B"/>
-                </a:solidFill>
-                <a:latin typeface="Verdana" pitchFamily="34" charset="0"/>
-                <a:ea typeface="Verdana" pitchFamily="34" charset="0"/>
-                <a:cs typeface="Verdana" pitchFamily="34" charset="0"/>
-              </a:rPr>
-              <a:t>: Травкина Юлия Игоревна</a:t>
-            </a:r>
-            <a:endParaRPr lang="ru-RU" b="1" dirty="0" smtClean="0">
-              <a:solidFill>
-                <a:srgbClr val="13629B"/>
-              </a:solidFill>
-              <a:latin typeface="Verdana" pitchFamily="34" charset="0"/>
-              <a:ea typeface="Verdana" pitchFamily="34" charset="0"/>
-              <a:cs typeface="Verdana" pitchFamily="34" charset="0"/>
-            </a:endParaRPr>
+              <a:t>Руководитель: Травкина Ю.И.</a:t>
+            </a:r>
           </a:p>
         </p:txBody>
       </p:sp>
@@ -3707,6 +3736,13 @@
   <p:clrMapOvr>
     <a:masterClrMapping/>
   </p:clrMapOvr>
+  <p:timing>
+    <p:tnLst>
+      <p:par>
+        <p:cTn id="1" dur="indefinite" restart="never" nodeType="tmRoot"/>
+      </p:par>
+    </p:tnLst>
+  </p:timing>
 </p:sld>
 </file>
 
@@ -3751,6 +3787,185 @@
                 <a:ea typeface="Verdana" pitchFamily="34" charset="0"/>
                 <a:cs typeface="Verdana" pitchFamily="34" charset="0"/>
               </a:rPr>
+              <a:t>Цели и актуальность</a:t>
+            </a:r>
+            <a:endParaRPr lang="ru-RU" b="1" dirty="0">
+              <a:solidFill>
+                <a:srgbClr val="13629B"/>
+              </a:solidFill>
+              <a:latin typeface="Verdana" pitchFamily="34" charset="0"/>
+              <a:ea typeface="Verdana" pitchFamily="34" charset="0"/>
+              <a:cs typeface="Verdana" pitchFamily="34" charset="0"/>
+            </a:endParaRPr>
+          </a:p>
+        </p:txBody>
+      </p:sp>
+      <p:sp>
+        <p:nvSpPr>
+          <p:cNvPr id="3" name="Содержимое 2"/>
+          <p:cNvSpPr>
+            <a:spLocks noGrp="1"/>
+          </p:cNvSpPr>
+          <p:nvPr>
+            <p:ph idx="1"/>
+          </p:nvPr>
+        </p:nvSpPr>
+        <p:spPr>
+          <a:xfrm>
+            <a:off x="457200" y="1600200"/>
+            <a:ext cx="8363272" cy="4781128"/>
+          </a:xfrm>
+        </p:spPr>
+        <p:txBody>
+          <a:bodyPr>
+            <a:normAutofit/>
+          </a:bodyPr>
+          <a:lstStyle/>
+          <a:p>
+            <a:r>
+              <a:rPr lang="ru-RU" sz="2000" b="1" dirty="0">
+                <a:solidFill>
+                  <a:srgbClr val="13629B"/>
+                </a:solidFill>
+                <a:latin typeface="Verdana" pitchFamily="34" charset="0"/>
+                <a:ea typeface="Verdana" pitchFamily="34" charset="0"/>
+                <a:cs typeface="Verdana" pitchFamily="34" charset="0"/>
+              </a:rPr>
+              <a:t>Целью данной курсовой проекта является эффективное администрирование компьютерной сети </a:t>
+            </a:r>
+            <a:r>
+              <a:rPr lang="ru-RU" sz="2000" b="1" dirty="0" smtClean="0">
+                <a:solidFill>
+                  <a:srgbClr val="13629B"/>
+                </a:solidFill>
+                <a:latin typeface="Verdana" pitchFamily="34" charset="0"/>
+                <a:ea typeface="Verdana" pitchFamily="34" charset="0"/>
+                <a:cs typeface="Verdana" pitchFamily="34" charset="0"/>
+              </a:rPr>
+              <a:t>больницы с точки зрения программной части серверов.</a:t>
+            </a:r>
+          </a:p>
+          <a:p>
+            <a:endParaRPr lang="ru-RU" sz="2000" b="1" dirty="0">
+              <a:solidFill>
+                <a:srgbClr val="13629B"/>
+              </a:solidFill>
+              <a:latin typeface="Verdana" pitchFamily="34" charset="0"/>
+              <a:ea typeface="Verdana" pitchFamily="34" charset="0"/>
+              <a:cs typeface="Verdana" pitchFamily="34" charset="0"/>
+            </a:endParaRPr>
+          </a:p>
+          <a:p>
+            <a:r>
+              <a:rPr lang="ru-RU" sz="2000" b="1" dirty="0" smtClean="0">
+                <a:solidFill>
+                  <a:srgbClr val="13629B"/>
+                </a:solidFill>
+                <a:latin typeface="Verdana" pitchFamily="34" charset="0"/>
+                <a:ea typeface="Verdana" pitchFamily="34" charset="0"/>
+                <a:cs typeface="Verdana" pitchFamily="34" charset="0"/>
+              </a:rPr>
+              <a:t>Актуальность </a:t>
+            </a:r>
+            <a:r>
+              <a:rPr lang="ru-RU" sz="2000" b="1" dirty="0">
+                <a:solidFill>
+                  <a:srgbClr val="13629B"/>
+                </a:solidFill>
+                <a:latin typeface="Verdana" pitchFamily="34" charset="0"/>
+                <a:ea typeface="Verdana" pitchFamily="34" charset="0"/>
+                <a:cs typeface="Verdana" pitchFamily="34" charset="0"/>
+              </a:rPr>
+              <a:t>исследования заключается в возможности использования предложенного проекта при построении или модернизации компьютерных сетей в медицинских учреждениях, что позволит повысить их надёжность, безопасность и эффективность функционирования.</a:t>
+            </a:r>
+          </a:p>
+        </p:txBody>
+      </p:sp>
+      <p:sp>
+        <p:nvSpPr>
+          <p:cNvPr id="4" name="Номер слайда 3"/>
+          <p:cNvSpPr>
+            <a:spLocks noGrp="1"/>
+          </p:cNvSpPr>
+          <p:nvPr>
+            <p:ph type="sldNum" sz="quarter" idx="12"/>
+          </p:nvPr>
+        </p:nvSpPr>
+        <p:spPr/>
+        <p:txBody>
+          <a:bodyPr/>
+          <a:lstStyle/>
+          <a:p>
+            <a:fld id="{93285C2B-7BBD-4D1D-91C4-7172CF0EB6EA}" type="slidenum">
+              <a:rPr lang="ru-RU" smtClean="0"/>
+              <a:pPr/>
+              <a:t>2</a:t>
+            </a:fld>
+            <a:endParaRPr lang="ru-RU"/>
+          </a:p>
+        </p:txBody>
+      </p:sp>
+    </p:spTree>
+    <p:extLst>
+      <p:ext uri="{BB962C8B-B14F-4D97-AF65-F5344CB8AC3E}">
+        <p14:creationId xmlns:p14="http://schemas.microsoft.com/office/powerpoint/2010/main" val="543752170"/>
+      </p:ext>
+    </p:extLst>
+  </p:cSld>
+  <p:clrMapOvr>
+    <a:masterClrMapping/>
+  </p:clrMapOvr>
+  <p:timing>
+    <p:tnLst>
+      <p:par>
+        <p:cTn id="1" dur="indefinite" restart="never" nodeType="tmRoot"/>
+      </p:par>
+    </p:tnLst>
+  </p:timing>
+</p:sld>
+</file>
+
+<file path=ppt/slides/slide3.xml><?xml version="1.0" encoding="utf-8"?>
+<p:sld xmlns:a="http://schemas.openxmlformats.org/drawingml/2006/main" xmlns:r="http://schemas.openxmlformats.org/officeDocument/2006/relationships" xmlns:p="http://schemas.openxmlformats.org/presentationml/2006/main">
+  <p:cSld>
+    <p:spTree>
+      <p:nvGrpSpPr>
+        <p:cNvPr id="1" name=""/>
+        <p:cNvGrpSpPr/>
+        <p:nvPr/>
+      </p:nvGrpSpPr>
+      <p:grpSpPr>
+        <a:xfrm>
+          <a:off x="0" y="0"/>
+          <a:ext cx="0" cy="0"/>
+          <a:chOff x="0" y="0"/>
+          <a:chExt cx="0" cy="0"/>
+        </a:xfrm>
+      </p:grpSpPr>
+      <p:sp>
+        <p:nvSpPr>
+          <p:cNvPr id="2" name="Заголовок 1"/>
+          <p:cNvSpPr>
+            <a:spLocks noGrp="1"/>
+          </p:cNvSpPr>
+          <p:nvPr>
+            <p:ph type="title"/>
+          </p:nvPr>
+        </p:nvSpPr>
+        <p:spPr/>
+        <p:txBody>
+          <a:bodyPr/>
+          <a:lstStyle/>
+          <a:p>
+            <a:r>
+              <a:rPr lang="ru-RU" b="1" dirty="0" smtClean="0">
+                <a:solidFill>
+                  <a:srgbClr val="13629B"/>
+                </a:solidFill>
+                <a:latin typeface="Verdana" pitchFamily="34" charset="0"/>
+                <a:ea typeface="Verdana" pitchFamily="34" charset="0"/>
+                <a:cs typeface="Verdana" pitchFamily="34" charset="0"/>
+              </a:rPr>
               <a:t>Задачи проекта</a:t>
             </a:r>
             <a:endParaRPr lang="ru-RU" b="1" dirty="0">
@@ -4235,15 +4450,46 @@
           </a:p>
         </p:txBody>
       </p:sp>
+      <p:sp>
+        <p:nvSpPr>
+          <p:cNvPr id="4" name="Номер слайда 3"/>
+          <p:cNvSpPr>
+            <a:spLocks noGrp="1"/>
+          </p:cNvSpPr>
+          <p:nvPr>
+            <p:ph type="sldNum" sz="quarter" idx="12"/>
+          </p:nvPr>
+        </p:nvSpPr>
+        <p:spPr/>
+        <p:txBody>
+          <a:bodyPr/>
+          <a:lstStyle/>
+          <a:p>
+            <a:fld id="{93285C2B-7BBD-4D1D-91C4-7172CF0EB6EA}" type="slidenum">
+              <a:rPr lang="ru-RU" smtClean="0"/>
+              <a:pPr/>
+              <a:t>3</a:t>
+            </a:fld>
+            <a:endParaRPr lang="ru-RU"/>
+          </a:p>
+        </p:txBody>
+      </p:sp>
     </p:spTree>
   </p:cSld>
   <p:clrMapOvr>
     <a:masterClrMapping/>
   </p:clrMapOvr>
+  <p:timing>
+    <p:tnLst>
+      <p:par>
+        <p:cTn id="1" dur="indefinite" restart="never" nodeType="tmRoot"/>
+      </p:par>
+    </p:tnLst>
+  </p:timing>
 </p:sld>
 </file>
 
-<file path=ppt/slides/slide3.xml><?xml version="1.0" encoding="utf-8"?>
+<file path=ppt/slides/slide4.xml><?xml version="1.0" encoding="utf-8"?>
 <p:sld xmlns:a="http://schemas.openxmlformats.org/drawingml/2006/main" xmlns:r="http://schemas.openxmlformats.org/officeDocument/2006/relationships" xmlns:p="http://schemas.openxmlformats.org/presentationml/2006/main">
   <p:cSld>
     <p:spTree>
@@ -4562,6 +4808,30 @@
           </a:prstGeom>
         </p:spPr>
       </p:pic>
+      <p:sp>
+        <p:nvSpPr>
+          <p:cNvPr id="5" name="Номер слайда 4"/>
+          <p:cNvSpPr>
+            <a:spLocks noGrp="1"/>
+          </p:cNvSpPr>
+          <p:nvPr>
+            <p:ph type="sldNum" sz="quarter" idx="12"/>
+          </p:nvPr>
+        </p:nvSpPr>
+        <p:spPr/>
+        <p:txBody>
+          <a:bodyPr/>
+          <a:lstStyle/>
+          <a:p>
+            <a:fld id="{93285C2B-7BBD-4D1D-91C4-7172CF0EB6EA}" type="slidenum">
+              <a:rPr lang="ru-RU" smtClean="0"/>
+              <a:pPr/>
+              <a:t>4</a:t>
+            </a:fld>
+            <a:endParaRPr lang="ru-RU"/>
+          </a:p>
+        </p:txBody>
+      </p:sp>
     </p:spTree>
     <p:extLst>
       <p:ext uri="{BB962C8B-B14F-4D97-AF65-F5344CB8AC3E}">
@@ -4572,10 +4842,17 @@
   <p:clrMapOvr>
     <a:masterClrMapping/>
   </p:clrMapOvr>
+  <p:timing>
+    <p:tnLst>
+      <p:par>
+        <p:cTn id="1" dur="indefinite" restart="never" nodeType="tmRoot"/>
+      </p:par>
+    </p:tnLst>
+  </p:timing>
 </p:sld>
 </file>
 
-<file path=ppt/slides/slide4.xml><?xml version="1.0" encoding="utf-8"?>
+<file path=ppt/slides/slide5.xml><?xml version="1.0" encoding="utf-8"?>
 <p:sld xmlns:a="http://schemas.openxmlformats.org/drawingml/2006/main" xmlns:r="http://schemas.openxmlformats.org/officeDocument/2006/relationships" xmlns:p="http://schemas.openxmlformats.org/presentationml/2006/main">
   <p:cSld>
     <p:spTree>
@@ -4643,8 +4920,8 @@
         </p:nvSpPr>
         <p:spPr>
           <a:xfrm>
-            <a:off x="457200" y="1916832"/>
-            <a:ext cx="6203032" cy="4565104"/>
+            <a:off x="314076" y="1916832"/>
+            <a:ext cx="4402832" cy="1008112"/>
           </a:xfrm>
         </p:spPr>
         <p:txBody>
@@ -4692,212 +4969,17 @@
               <a:t>WordPress + Nginx + </a:t>
             </a:r>
             <a:r>
-              <a:rPr lang="en-US" sz="2000" b="1" dirty="0" err="1" smtClean="0">
-                <a:solidFill>
-                  <a:srgbClr val="13629B"/>
-                </a:solidFill>
-                <a:latin typeface="Verdana" pitchFamily="34" charset="0"/>
-                <a:ea typeface="Verdana" pitchFamily="34" charset="0"/>
-                <a:cs typeface="Verdana" pitchFamily="34" charset="0"/>
-              </a:rPr>
-              <a:t>Mysql</a:t>
+              <a:rPr lang="en-US" sz="2000" b="1" dirty="0" smtClean="0">
+                <a:solidFill>
+                  <a:srgbClr val="13629B"/>
+                </a:solidFill>
+                <a:latin typeface="Verdana" pitchFamily="34" charset="0"/>
+                <a:ea typeface="Verdana" pitchFamily="34" charset="0"/>
+                <a:cs typeface="Verdana" pitchFamily="34" charset="0"/>
+              </a:rPr>
+              <a:t>MySQL</a:t>
             </a:r>
             <a:endParaRPr lang="ru-RU" sz="2000" b="1" dirty="0" smtClean="0">
-              <a:solidFill>
-                <a:srgbClr val="13629B"/>
-              </a:solidFill>
-              <a:latin typeface="Verdana" pitchFamily="34" charset="0"/>
-              <a:ea typeface="Verdana" pitchFamily="34" charset="0"/>
-              <a:cs typeface="Verdana" pitchFamily="34" charset="0"/>
-            </a:endParaRPr>
-          </a:p>
-          <a:p>
-            <a:pPr marL="0" indent="0">
-              <a:buNone/>
-            </a:pPr>
-            <a:endParaRPr lang="en-US" sz="2000" b="1" dirty="0" smtClean="0">
-              <a:solidFill>
-                <a:srgbClr val="13629B"/>
-              </a:solidFill>
-              <a:latin typeface="Verdana" pitchFamily="34" charset="0"/>
-              <a:ea typeface="Verdana" pitchFamily="34" charset="0"/>
-              <a:cs typeface="Verdana" pitchFamily="34" charset="0"/>
-            </a:endParaRPr>
-          </a:p>
-          <a:p>
-            <a:pPr>
-              <a:lnSpc>
-                <a:spcPct val="80000"/>
-              </a:lnSpc>
-            </a:pPr>
-            <a:r>
-              <a:rPr lang="en-US" sz="2000" b="1" dirty="0">
-                <a:solidFill>
-                  <a:srgbClr val="13629B"/>
-                </a:solidFill>
-                <a:latin typeface="Verdana" pitchFamily="34" charset="0"/>
-                <a:ea typeface="Verdana" pitchFamily="34" charset="0"/>
-                <a:cs typeface="Verdana" pitchFamily="34" charset="0"/>
-              </a:rPr>
-              <a:t>Nginx </a:t>
-            </a:r>
-            <a:r>
-              <a:rPr lang="ru-RU" sz="2000" b="1" dirty="0">
-                <a:solidFill>
-                  <a:srgbClr val="13629B"/>
-                </a:solidFill>
-                <a:latin typeface="Verdana" pitchFamily="34" charset="0"/>
-                <a:ea typeface="Verdana" pitchFamily="34" charset="0"/>
-                <a:cs typeface="Verdana" pitchFamily="34" charset="0"/>
-              </a:rPr>
-              <a:t>– Веб сервер который </a:t>
-            </a:r>
-            <a:r>
-              <a:rPr lang="ru-RU" sz="2000" b="1" dirty="0">
-                <a:solidFill>
-                  <a:srgbClr val="13629B"/>
-                </a:solidFill>
-                <a:latin typeface="Verdana" pitchFamily="34" charset="0"/>
-                <a:ea typeface="Verdana" pitchFamily="34" charset="0"/>
-                <a:cs typeface="Verdana" pitchFamily="34" charset="0"/>
-              </a:rPr>
-              <a:t>Отвечает за </a:t>
-            </a:r>
-            <a:r>
-              <a:rPr lang="ru-RU" sz="2000" b="1" dirty="0">
-                <a:solidFill>
-                  <a:srgbClr val="13629B"/>
-                </a:solidFill>
-                <a:latin typeface="Verdana" pitchFamily="34" charset="0"/>
-                <a:ea typeface="Verdana" pitchFamily="34" charset="0"/>
-                <a:cs typeface="Verdana" pitchFamily="34" charset="0"/>
-              </a:rPr>
-              <a:t>весь </a:t>
-            </a:r>
-            <a:r>
-              <a:rPr lang="ru-RU" sz="2000" b="1" dirty="0" err="1">
-                <a:solidFill>
-                  <a:srgbClr val="13629B"/>
-                </a:solidFill>
-                <a:latin typeface="Verdana" pitchFamily="34" charset="0"/>
-                <a:ea typeface="Verdana" pitchFamily="34" charset="0"/>
-                <a:cs typeface="Verdana" pitchFamily="34" charset="0"/>
-              </a:rPr>
-              <a:t>бэкэнд</a:t>
-            </a:r>
-            <a:r>
-              <a:rPr lang="ru-RU" sz="2000" b="1" dirty="0">
-                <a:solidFill>
-                  <a:srgbClr val="13629B"/>
-                </a:solidFill>
-                <a:latin typeface="Verdana" pitchFamily="34" charset="0"/>
-                <a:ea typeface="Verdana" pitchFamily="34" charset="0"/>
-                <a:cs typeface="Verdana" pitchFamily="34" charset="0"/>
-              </a:rPr>
-              <a:t> сайта</a:t>
-            </a:r>
-          </a:p>
-          <a:p>
-            <a:endParaRPr lang="ru-RU" sz="2000" b="1" dirty="0" smtClean="0">
-              <a:solidFill>
-                <a:srgbClr val="13629B"/>
-              </a:solidFill>
-              <a:latin typeface="Verdana" pitchFamily="34" charset="0"/>
-              <a:ea typeface="Verdana" pitchFamily="34" charset="0"/>
-              <a:cs typeface="Verdana" pitchFamily="34" charset="0"/>
-            </a:endParaRPr>
-          </a:p>
-          <a:p>
-            <a:r>
-              <a:rPr lang="en-US" sz="2000" b="1" dirty="0">
-                <a:solidFill>
-                  <a:srgbClr val="13629B"/>
-                </a:solidFill>
-                <a:latin typeface="Verdana" pitchFamily="34" charset="0"/>
-                <a:ea typeface="Verdana" pitchFamily="34" charset="0"/>
-                <a:cs typeface="Verdana" pitchFamily="34" charset="0"/>
-              </a:rPr>
-              <a:t>WordPress – </a:t>
-            </a:r>
-            <a:r>
-              <a:rPr lang="ru-RU" sz="2000" b="1" dirty="0">
-                <a:solidFill>
-                  <a:srgbClr val="13629B"/>
-                </a:solidFill>
-                <a:latin typeface="Verdana" pitchFamily="34" charset="0"/>
-                <a:ea typeface="Verdana" pitchFamily="34" charset="0"/>
-                <a:cs typeface="Verdana" pitchFamily="34" charset="0"/>
-              </a:rPr>
-              <a:t>Система управления содержимым сайта, весь </a:t>
-            </a:r>
-            <a:r>
-              <a:rPr lang="ru-RU" sz="2000" b="1" dirty="0" err="1">
-                <a:solidFill>
-                  <a:srgbClr val="13629B"/>
-                </a:solidFill>
-                <a:latin typeface="Verdana" pitchFamily="34" charset="0"/>
-                <a:ea typeface="Verdana" pitchFamily="34" charset="0"/>
-                <a:cs typeface="Verdana" pitchFamily="34" charset="0"/>
-              </a:rPr>
-              <a:t>фронтэнд</a:t>
-            </a:r>
-            <a:r>
-              <a:rPr lang="ru-RU" sz="2000" b="1" dirty="0">
-                <a:solidFill>
-                  <a:srgbClr val="13629B"/>
-                </a:solidFill>
-                <a:latin typeface="Verdana" pitchFamily="34" charset="0"/>
-                <a:ea typeface="Verdana" pitchFamily="34" charset="0"/>
-                <a:cs typeface="Verdana" pitchFamily="34" charset="0"/>
-              </a:rPr>
-              <a:t> строится на нём</a:t>
-            </a:r>
-          </a:p>
-          <a:p>
-            <a:endParaRPr lang="ru-RU" sz="2000" b="1" dirty="0" smtClean="0">
-              <a:solidFill>
-                <a:srgbClr val="13629B"/>
-              </a:solidFill>
-              <a:latin typeface="Verdana" pitchFamily="34" charset="0"/>
-              <a:ea typeface="Verdana" pitchFamily="34" charset="0"/>
-              <a:cs typeface="Verdana" pitchFamily="34" charset="0"/>
-            </a:endParaRPr>
-          </a:p>
-          <a:p>
-            <a:r>
-              <a:rPr lang="en-US" sz="2000" b="1" dirty="0" smtClean="0">
-                <a:solidFill>
-                  <a:srgbClr val="13629B"/>
-                </a:solidFill>
-                <a:latin typeface="Verdana" pitchFamily="34" charset="0"/>
-                <a:ea typeface="Verdana" pitchFamily="34" charset="0"/>
-                <a:cs typeface="Verdana" pitchFamily="34" charset="0"/>
-              </a:rPr>
-              <a:t>MySQL – </a:t>
-            </a:r>
-            <a:r>
-              <a:rPr lang="ru-RU" sz="2000" b="1" dirty="0" smtClean="0">
-                <a:solidFill>
-                  <a:srgbClr val="13629B"/>
-                </a:solidFill>
-                <a:latin typeface="Verdana" pitchFamily="34" charset="0"/>
-                <a:ea typeface="Verdana" pitchFamily="34" charset="0"/>
-                <a:cs typeface="Verdana" pitchFamily="34" charset="0"/>
-              </a:rPr>
-              <a:t>Система управления базой данных в котором храниться вся информация о сайте и </a:t>
-            </a:r>
-            <a:r>
-              <a:rPr lang="ru-RU" sz="2000" b="1" dirty="0">
-                <a:solidFill>
-                  <a:srgbClr val="13629B"/>
-                </a:solidFill>
-                <a:latin typeface="Verdana" pitchFamily="34" charset="0"/>
-                <a:ea typeface="Verdana" pitchFamily="34" charset="0"/>
-                <a:cs typeface="Verdana" pitchFamily="34" charset="0"/>
-              </a:rPr>
-              <a:t>пользователей</a:t>
-            </a:r>
-            <a:endParaRPr lang="en-US" sz="2000" b="1" dirty="0">
               <a:solidFill>
                 <a:srgbClr val="13629B"/>
               </a:solidFill>
@@ -4931,7 +5013,7 @@
         </p:blipFill>
         <p:spPr bwMode="auto">
           <a:xfrm>
-            <a:off x="6452009" y="1805050"/>
+            <a:off x="472530" y="2993250"/>
             <a:ext cx="2472209" cy="1025967"/>
           </a:xfrm>
           <a:prstGeom prst="rect">
@@ -4972,7 +5054,7 @@
         </p:blipFill>
         <p:spPr bwMode="auto">
           <a:xfrm>
-            <a:off x="6753548" y="4825752"/>
+            <a:off x="2555776" y="3223673"/>
             <a:ext cx="1591088" cy="1591088"/>
           </a:xfrm>
           <a:prstGeom prst="rect">
@@ -5013,7 +5095,7 @@
         </p:blipFill>
         <p:spPr bwMode="auto">
           <a:xfrm>
-            <a:off x="6012160" y="3097560"/>
+            <a:off x="277456" y="4145378"/>
             <a:ext cx="3073864" cy="1659886"/>
           </a:xfrm>
           <a:prstGeom prst="rect">
@@ -5055,28 +5137,17 @@
             <a:r>
               <a:rPr lang="en-US" sz="3200" b="1" dirty="0">
                 <a:solidFill>
-                  <a:srgbClr val="13629B"/>
-                </a:solidFill>
-                <a:latin typeface="Verdana" pitchFamily="34" charset="0"/>
-                <a:ea typeface="Verdana" pitchFamily="34" charset="0"/>
-                <a:cs typeface="Verdana" pitchFamily="34" charset="0"/>
-              </a:rPr>
-              <a:t>hos</a:t>
-            </a:r>
-            <a:r>
-              <a:rPr lang="en-US" sz="3200" b="1" dirty="0">
-                <a:solidFill>
-                  <a:srgbClr val="13629B"/>
-                </a:solidFill>
-                <a:latin typeface="Verdana" pitchFamily="34" charset="0"/>
-                <a:ea typeface="Verdana" pitchFamily="34" charset="0"/>
-                <a:cs typeface="Verdana" pitchFamily="34" charset="0"/>
-              </a:rPr>
-              <a:t>pital.semops.duckdns.org</a:t>
+                  <a:srgbClr val="00B050"/>
+                </a:solidFill>
+                <a:latin typeface="Verdana" pitchFamily="34" charset="0"/>
+                <a:ea typeface="Verdana" pitchFamily="34" charset="0"/>
+                <a:cs typeface="Verdana" pitchFamily="34" charset="0"/>
+              </a:rPr>
+              <a:t>hospital.semops.duckdns.org</a:t>
             </a:r>
             <a:endParaRPr lang="ru-RU" sz="3200" b="1" dirty="0">
               <a:solidFill>
-                <a:srgbClr val="13629B"/>
+                <a:srgbClr val="00B050"/>
               </a:solidFill>
               <a:latin typeface="Verdana" pitchFamily="34" charset="0"/>
               <a:ea typeface="Verdana" pitchFamily="34" charset="0"/>
@@ -5085,6 +5156,94 @@
           </a:p>
         </p:txBody>
       </p:sp>
+      <p:sp>
+        <p:nvSpPr>
+          <p:cNvPr id="4" name="Номер слайда 3"/>
+          <p:cNvSpPr>
+            <a:spLocks noGrp="1"/>
+          </p:cNvSpPr>
+          <p:nvPr>
+            <p:ph type="sldNum" sz="quarter" idx="12"/>
+          </p:nvPr>
+        </p:nvSpPr>
+        <p:spPr/>
+        <p:txBody>
+          <a:bodyPr/>
+          <a:lstStyle/>
+          <a:p>
+            <a:fld id="{93285C2B-7BBD-4D1D-91C4-7172CF0EB6EA}" type="slidenum">
+              <a:rPr lang="ru-RU" smtClean="0"/>
+              <a:pPr/>
+              <a:t>5</a:t>
+            </a:fld>
+            <a:endParaRPr lang="ru-RU"/>
+          </a:p>
+        </p:txBody>
+      </p:sp>
+      <p:pic>
+        <p:nvPicPr>
+          <p:cNvPr id="1026" name="Picture 2"/>
+          <p:cNvPicPr>
+            <a:picLocks noChangeAspect="1" noChangeArrowheads="1"/>
+          </p:cNvPicPr>
+          <p:nvPr/>
+        </p:nvPicPr>
+        <p:blipFill>
+          <a:blip r:embed="rId5" cstate="print">
+            <a:extLst>
+              <a:ext uri="{28A0092B-C50C-407E-A947-70E740481C1C}">
+                <a14:useLocalDpi xmlns:a14="http://schemas.microsoft.com/office/drawing/2010/main" val="0"/>
+              </a:ext>
+            </a:extLst>
+          </a:blip>
+          <a:srcRect/>
+          <a:stretch>
+            <a:fillRect/>
+          </a:stretch>
+        </p:blipFill>
+        <p:spPr bwMode="auto">
+          <a:xfrm>
+            <a:off x="4727088" y="2027281"/>
+            <a:ext cx="3960440" cy="3493653"/>
+          </a:xfrm>
+          <a:prstGeom prst="rect">
+            <a:avLst/>
+          </a:prstGeom>
+          <a:noFill/>
+          <a:ln>
+            <a:noFill/>
+          </a:ln>
+          <a:effectLst/>
+          <a:extLst>
+            <a:ext uri="{909E8E84-426E-40DD-AFC4-6F175D3DCCD1}">
+              <a14:hiddenFill xmlns:a14="http://schemas.microsoft.com/office/drawing/2010/main">
+                <a:solidFill>
+                  <a:schemeClr val="accent1"/>
+                </a:solidFill>
+              </a14:hiddenFill>
+            </a:ext>
+            <a:ext uri="{91240B29-F687-4F45-9708-019B960494DF}">
+              <a14:hiddenLine xmlns:a14="http://schemas.microsoft.com/office/drawing/2010/main" w="9525">
+                <a:solidFill>
+                  <a:schemeClr val="tx1"/>
+                </a:solidFill>
+                <a:miter lim="800000"/>
+                <a:headEnd/>
+                <a:tailEnd/>
+              </a14:hiddenLine>
+            </a:ext>
+            <a:ext uri="{AF507438-7753-43E0-B8FC-AC1667EBCBE1}">
+              <a14:hiddenEffects xmlns:a14="http://schemas.microsoft.com/office/drawing/2010/main">
+                <a:effectLst>
+                  <a:outerShdw dist="35921" dir="2700000" algn="ctr" rotWithShape="0">
+                    <a:schemeClr val="bg2"/>
+                  </a:outerShdw>
+                </a:effectLst>
+              </a14:hiddenEffects>
+            </a:ext>
+          </a:extLst>
+        </p:spPr>
+      </p:pic>
     </p:spTree>
     <p:extLst>
       <p:ext uri="{BB962C8B-B14F-4D97-AF65-F5344CB8AC3E}">
@@ -5098,7 +5257,7 @@
 </p:sld>
 </file>
 
-<file path=ppt/slides/slide5.xml><?xml version="1.0" encoding="utf-8"?>
+<file path=ppt/slides/slide6.xml><?xml version="1.0" encoding="utf-8"?>
 <p:sld xmlns:a="http://schemas.openxmlformats.org/drawingml/2006/main" xmlns:r="http://schemas.openxmlformats.org/officeDocument/2006/relationships" xmlns:p="http://schemas.openxmlformats.org/presentationml/2006/main">
   <p:cSld>
     <p:spTree>
@@ -5339,6 +5498,30 @@
           </a:extLst>
         </p:spPr>
       </p:pic>
+      <p:sp>
+        <p:nvSpPr>
+          <p:cNvPr id="3" name="Номер слайда 2"/>
+          <p:cNvSpPr>
+            <a:spLocks noGrp="1"/>
+          </p:cNvSpPr>
+          <p:nvPr>
+            <p:ph type="sldNum" sz="quarter" idx="12"/>
+          </p:nvPr>
+        </p:nvSpPr>
+        <p:spPr/>
+        <p:txBody>
+          <a:bodyPr/>
+          <a:lstStyle/>
+          <a:p>
+            <a:fld id="{93285C2B-7BBD-4D1D-91C4-7172CF0EB6EA}" type="slidenum">
+              <a:rPr lang="ru-RU" smtClean="0"/>
+              <a:pPr/>
+              <a:t>6</a:t>
+            </a:fld>
+            <a:endParaRPr lang="ru-RU"/>
+          </a:p>
+        </p:txBody>
+      </p:sp>
     </p:spTree>
     <p:extLst>
       <p:ext uri="{BB962C8B-B14F-4D97-AF65-F5344CB8AC3E}">
@@ -5349,10 +5532,17 @@
   <p:clrMapOvr>
     <a:masterClrMapping/>
   </p:clrMapOvr>
+  <p:timing>
+    <p:tnLst>
+      <p:par>
+        <p:cTn id="1" dur="indefinite" restart="never" nodeType="tmRoot"/>
+      </p:par>
+    </p:tnLst>
+  </p:timing>
 </p:sld>
 </file>
 
-<file path=ppt/slides/slide6.xml><?xml version="1.0" encoding="utf-8"?>
+<file path=ppt/slides/slide7.xml><?xml version="1.0" encoding="utf-8"?>
 <p:sld xmlns:a="http://schemas.openxmlformats.org/drawingml/2006/main" xmlns:r="http://schemas.openxmlformats.org/officeDocument/2006/relationships" xmlns:p="http://schemas.openxmlformats.org/presentationml/2006/main">
   <p:cSld>
     <p:spTree>
@@ -5508,18 +5698,7 @@
                 <a:ea typeface="Verdana" pitchFamily="34" charset="0"/>
                 <a:cs typeface="Verdana" pitchFamily="34" charset="0"/>
               </a:rPr>
-              <a:t>для мониторинга </a:t>
-            </a:r>
-            <a:r>
-              <a:rPr lang="ru-RU" sz="2000" b="1" dirty="0">
-                <a:solidFill>
-                  <a:srgbClr val="13629B"/>
-                </a:solidFill>
-                <a:latin typeface="Verdana" pitchFamily="34" charset="0"/>
-                <a:ea typeface="Verdana" pitchFamily="34" charset="0"/>
-                <a:cs typeface="Verdana" pitchFamily="34" charset="0"/>
-              </a:rPr>
-              <a:t>производительности</a:t>
+              <a:t>для мониторинга производительности</a:t>
             </a:r>
             <a:endParaRPr lang="en-US" sz="2000" b="1" dirty="0">
               <a:solidFill>
@@ -5622,7 +5801,7 @@
             <a:r>
               <a:rPr lang="ru-RU" sz="3200" b="1" dirty="0" smtClean="0">
                 <a:solidFill>
-                  <a:srgbClr val="13629B"/>
+                  <a:srgbClr val="00B050"/>
                 </a:solidFill>
                 <a:latin typeface="Verdana" pitchFamily="34" charset="0"/>
                 <a:ea typeface="Verdana" pitchFamily="34" charset="0"/>
@@ -5652,6 +5831,30 @@
               <a:ea typeface="Verdana" pitchFamily="34" charset="0"/>
               <a:cs typeface="Verdana" pitchFamily="34" charset="0"/>
             </a:endParaRPr>
+          </a:p>
+        </p:txBody>
+      </p:sp>
+      <p:sp>
+        <p:nvSpPr>
+          <p:cNvPr id="7" name="Номер слайда 6"/>
+          <p:cNvSpPr>
+            <a:spLocks noGrp="1"/>
+          </p:cNvSpPr>
+          <p:nvPr>
+            <p:ph type="sldNum" sz="quarter" idx="12"/>
+          </p:nvPr>
+        </p:nvSpPr>
+        <p:spPr/>
+        <p:txBody>
+          <a:bodyPr/>
+          <a:lstStyle/>
+          <a:p>
+            <a:fld id="{93285C2B-7BBD-4D1D-91C4-7172CF0EB6EA}" type="slidenum">
+              <a:rPr lang="ru-RU" smtClean="0"/>
+              <a:pPr/>
+              <a:t>7</a:t>
+            </a:fld>
+            <a:endParaRPr lang="ru-RU"/>
           </a:p>
         </p:txBody>
       </p:sp>
@@ -5665,10 +5868,17 @@
   <p:clrMapOvr>
     <a:masterClrMapping/>
   </p:clrMapOvr>
+  <p:timing>
+    <p:tnLst>
+      <p:par>
+        <p:cTn id="1" dur="indefinite" restart="never" nodeType="tmRoot"/>
+      </p:par>
+    </p:tnLst>
+  </p:timing>
 </p:sld>
 </file>
 
-<file path=ppt/slides/slide7.xml><?xml version="1.0" encoding="utf-8"?>
+<file path=ppt/slides/slide8.xml><?xml version="1.0" encoding="utf-8"?>
 <p:sld xmlns:a="http://schemas.openxmlformats.org/drawingml/2006/main" xmlns:r="http://schemas.openxmlformats.org/officeDocument/2006/relationships" xmlns:p="http://schemas.openxmlformats.org/presentationml/2006/main">
   <p:cSld>
     <p:spTree>
@@ -5890,52 +6100,136 @@
       </p:sp>
       <p:pic>
         <p:nvPicPr>
-          <p:cNvPr id="4" name="Рисунок 3"/>
+          <p:cNvPr id="1026" name="Picture 2"/>
           <p:cNvPicPr>
-            <a:picLocks noChangeAspect="1"/>
+            <a:picLocks noChangeAspect="1" noChangeArrowheads="1"/>
           </p:cNvPicPr>
           <p:nvPr/>
         </p:nvPicPr>
         <p:blipFill>
-          <a:blip r:embed="rId2"/>
+          <a:blip r:embed="rId2">
+            <a:extLst>
+              <a:ext uri="{28A0092B-C50C-407E-A947-70E740481C1C}">
+                <a14:useLocalDpi xmlns:a14="http://schemas.microsoft.com/office/drawing/2010/main" val="0"/>
+              </a:ext>
+            </a:extLst>
+          </a:blip>
+          <a:srcRect/>
           <a:stretch>
             <a:fillRect/>
           </a:stretch>
         </p:blipFill>
-        <p:spPr>
+        <p:spPr bwMode="auto">
           <a:xfrm>
-            <a:off x="4572000" y="1600200"/>
-            <a:ext cx="4448796" cy="2114845"/>
+            <a:off x="4516313" y="1556792"/>
+            <a:ext cx="4448175" cy="2114550"/>
           </a:xfrm>
           <a:prstGeom prst="rect">
             <a:avLst/>
           </a:prstGeom>
+          <a:noFill/>
+          <a:ln>
+            <a:noFill/>
+          </a:ln>
+          <a:extLst>
+            <a:ext uri="{909E8E84-426E-40DD-AFC4-6F175D3DCCD1}">
+              <a14:hiddenFill xmlns:a14="http://schemas.microsoft.com/office/drawing/2010/main">
+                <a:solidFill>
+                  <a:schemeClr val="accent1"/>
+                </a:solidFill>
+              </a14:hiddenFill>
+            </a:ext>
+            <a:ext uri="{91240B29-F687-4F45-9708-019B960494DF}">
+              <a14:hiddenLine xmlns:a14="http://schemas.microsoft.com/office/drawing/2010/main" w="9525">
+                <a:solidFill>
+                  <a:schemeClr val="tx1"/>
+                </a:solidFill>
+                <a:miter lim="800000"/>
+                <a:headEnd/>
+                <a:tailEnd/>
+              </a14:hiddenLine>
+            </a:ext>
+          </a:extLst>
         </p:spPr>
       </p:pic>
       <p:pic>
         <p:nvPicPr>
-          <p:cNvPr id="5" name="Рисунок 4"/>
+          <p:cNvPr id="1027" name="Picture 3"/>
           <p:cNvPicPr>
-            <a:picLocks noChangeAspect="1"/>
+            <a:picLocks noChangeAspect="1" noChangeArrowheads="1"/>
           </p:cNvPicPr>
           <p:nvPr/>
         </p:nvPicPr>
         <p:blipFill>
-          <a:blip r:embed="rId3"/>
+          <a:blip r:embed="rId3">
+            <a:extLst>
+              <a:ext uri="{28A0092B-C50C-407E-A947-70E740481C1C}">
+                <a14:useLocalDpi xmlns:a14="http://schemas.microsoft.com/office/drawing/2010/main" val="0"/>
+              </a:ext>
+            </a:extLst>
+          </a:blip>
+          <a:srcRect/>
           <a:stretch>
             <a:fillRect/>
           </a:stretch>
         </p:blipFill>
-        <p:spPr>
+        <p:spPr bwMode="auto">
           <a:xfrm>
-            <a:off x="5153106" y="3897607"/>
-            <a:ext cx="3286584" cy="1857634"/>
+            <a:off x="5097337" y="3933056"/>
+            <a:ext cx="3286125" cy="1857375"/>
           </a:xfrm>
           <a:prstGeom prst="rect">
             <a:avLst/>
           </a:prstGeom>
+          <a:noFill/>
+          <a:ln>
+            <a:noFill/>
+          </a:ln>
+          <a:extLst>
+            <a:ext uri="{909E8E84-426E-40DD-AFC4-6F175D3DCCD1}">
+              <a14:hiddenFill xmlns:a14="http://schemas.microsoft.com/office/drawing/2010/main">
+                <a:solidFill>
+                  <a:schemeClr val="accent1"/>
+                </a:solidFill>
+              </a14:hiddenFill>
+            </a:ext>
+            <a:ext uri="{91240B29-F687-4F45-9708-019B960494DF}">
+              <a14:hiddenLine xmlns:a14="http://schemas.microsoft.com/office/drawing/2010/main" w="9525">
+                <a:solidFill>
+                  <a:schemeClr val="tx1"/>
+                </a:solidFill>
+                <a:miter lim="800000"/>
+                <a:headEnd/>
+                <a:tailEnd/>
+              </a14:hiddenLine>
+            </a:ext>
+          </a:extLst>
         </p:spPr>
       </p:pic>
+      <p:sp>
+        <p:nvSpPr>
+          <p:cNvPr id="6" name="Номер слайда 5"/>
+          <p:cNvSpPr>
+            <a:spLocks noGrp="1"/>
+          </p:cNvSpPr>
+          <p:nvPr>
+            <p:ph type="sldNum" sz="quarter" idx="12"/>
+          </p:nvPr>
+        </p:nvSpPr>
+        <p:spPr/>
+        <p:txBody>
+          <a:bodyPr/>
+          <a:lstStyle/>
+          <a:p>
+            <a:fld id="{93285C2B-7BBD-4D1D-91C4-7172CF0EB6EA}" type="slidenum">
+              <a:rPr lang="ru-RU" smtClean="0"/>
+              <a:pPr/>
+              <a:t>8</a:t>
+            </a:fld>
+            <a:endParaRPr lang="ru-RU"/>
+          </a:p>
+        </p:txBody>
+      </p:sp>
     </p:spTree>
     <p:extLst>
       <p:ext uri="{BB962C8B-B14F-4D97-AF65-F5344CB8AC3E}">
@@ -5946,10 +6240,17 @@
   <p:clrMapOvr>
     <a:masterClrMapping/>
   </p:clrMapOvr>
+  <p:timing>
+    <p:tnLst>
+      <p:par>
+        <p:cTn id="1" dur="indefinite" restart="never" nodeType="tmRoot"/>
+      </p:par>
+    </p:tnLst>
+  </p:timing>
 </p:sld>
 </file>
 
-<file path=ppt/slides/slide8.xml><?xml version="1.0" encoding="utf-8"?>
+<file path=ppt/slides/slide9.xml><?xml version="1.0" encoding="utf-8"?>
 <p:sld xmlns:a="http://schemas.openxmlformats.org/drawingml/2006/main" xmlns:r="http://schemas.openxmlformats.org/officeDocument/2006/relationships" xmlns:p="http://schemas.openxmlformats.org/presentationml/2006/main">
   <p:cSld>
     <p:bg>
@@ -6047,8 +6348,8 @@
         </p:nvSpPr>
         <p:spPr>
           <a:xfrm>
-            <a:off x="474351" y="4581128"/>
-            <a:ext cx="8258991" cy="830997"/>
+            <a:off x="791580" y="4173180"/>
+            <a:ext cx="7560839" cy="1200329"/>
           </a:xfrm>
           <a:prstGeom prst="rect">
             <a:avLst/>
@@ -6056,7 +6357,7 @@
           <a:noFill/>
         </p:spPr>
         <p:txBody>
-          <a:bodyPr wrap="none" rtlCol="0">
+          <a:bodyPr wrap="square" rtlCol="0">
             <a:spAutoFit/>
           </a:bodyPr>
           <a:lstStyle/>
@@ -6071,7 +6372,7 @@
                 <a:ea typeface="Verdana" pitchFamily="34" charset="0"/>
                 <a:cs typeface="Verdana" pitchFamily="34" charset="0"/>
               </a:rPr>
-              <a:t>Краснов Семён Евгеньевич СА-22-2</a:t>
+              <a:t>Краснов Семён Евгеньевич, СА-22-2</a:t>
             </a:r>
             <a:endParaRPr lang="ru-RU" sz="2400" b="1" dirty="0">
               <a:solidFill>
@@ -6085,6 +6386,39 @@
           <a:p>
             <a:pPr algn="ctr"/>
             <a:r>
+              <a:rPr lang="ru-RU" sz="2400" b="1" dirty="0" smtClean="0">
+                <a:solidFill>
+                  <a:srgbClr val="13629B"/>
+                </a:solidFill>
+                <a:latin typeface="Verdana" pitchFamily="34" charset="0"/>
+                <a:ea typeface="Verdana" pitchFamily="34" charset="0"/>
+                <a:cs typeface="Verdana" pitchFamily="34" charset="0"/>
+              </a:rPr>
+              <a:t>Тема</a:t>
+            </a:r>
+            <a:r>
+              <a:rPr lang="en-US" sz="2400" b="1" dirty="0" smtClean="0">
+                <a:solidFill>
+                  <a:srgbClr val="13629B"/>
+                </a:solidFill>
+                <a:latin typeface="Verdana" pitchFamily="34" charset="0"/>
+                <a:ea typeface="Verdana" pitchFamily="34" charset="0"/>
+                <a:cs typeface="Verdana" pitchFamily="34" charset="0"/>
+              </a:rPr>
+              <a:t>:</a:t>
+            </a:r>
+            <a:r>
+              <a:rPr lang="ru-RU" sz="2400" b="1" dirty="0" smtClean="0">
+                <a:solidFill>
+                  <a:srgbClr val="13629B"/>
+                </a:solidFill>
+                <a:latin typeface="Verdana" pitchFamily="34" charset="0"/>
+                <a:ea typeface="Verdana" pitchFamily="34" charset="0"/>
+                <a:cs typeface="Verdana" pitchFamily="34" charset="0"/>
+              </a:rPr>
+              <a:t>Администрирование </a:t>
+            </a:r>
+            <a:r>
               <a:rPr lang="ru-RU" sz="2400" b="1" dirty="0">
                 <a:solidFill>
                   <a:srgbClr val="13629B"/>
@@ -6093,16 +6427,32 @@
                 <a:ea typeface="Verdana" pitchFamily="34" charset="0"/>
                 <a:cs typeface="Verdana" pitchFamily="34" charset="0"/>
               </a:rPr>
-              <a:t>Администрирование КС областной больницы</a:t>
-            </a:r>
-            <a:endParaRPr lang="ru-RU" sz="2400" b="1" dirty="0">
-              <a:solidFill>
-                <a:srgbClr val="13629B"/>
-              </a:solidFill>
-              <a:latin typeface="Verdana" pitchFamily="34" charset="0"/>
-              <a:ea typeface="Verdana" pitchFamily="34" charset="0"/>
-              <a:cs typeface="Verdana" pitchFamily="34" charset="0"/>
-            </a:endParaRPr>
+              <a:t>КС областной больницы</a:t>
+            </a:r>
+          </a:p>
+        </p:txBody>
+      </p:sp>
+      <p:sp>
+        <p:nvSpPr>
+          <p:cNvPr id="4" name="Номер слайда 3"/>
+          <p:cNvSpPr>
+            <a:spLocks noGrp="1"/>
+          </p:cNvSpPr>
+          <p:nvPr>
+            <p:ph type="sldNum" sz="quarter" idx="12"/>
+          </p:nvPr>
+        </p:nvSpPr>
+        <p:spPr/>
+        <p:txBody>
+          <a:bodyPr/>
+          <a:lstStyle/>
+          <a:p>
+            <a:fld id="{93285C2B-7BBD-4D1D-91C4-7172CF0EB6EA}" type="slidenum">
+              <a:rPr lang="ru-RU" smtClean="0"/>
+              <a:pPr/>
+              <a:t>9</a:t>
+            </a:fld>
+            <a:endParaRPr lang="ru-RU"/>
           </a:p>
         </p:txBody>
       </p:sp>
@@ -6111,6 +6461,13 @@
   <p:clrMapOvr>
     <a:masterClrMapping/>
   </p:clrMapOvr>
+  <p:timing>
+    <p:tnLst>
+      <p:par>
+        <p:cTn id="1" dur="indefinite" restart="never" nodeType="tmRoot"/>
+      </p:par>
+    </p:tnLst>
+  </p:timing>
 </p:sld>
 </file>
 
@@ -6681,9 +7038,12 @@
 </file>
 
 <file path=customXml/item1.xml><?xml version="1.0" encoding="utf-8"?>
-<p:properties xmlns:p="http://schemas.microsoft.com/office/2006/metadata/properties" xmlns:xsi="http://www.w3.org/2001/XMLSchema-instance" xmlns:pc="http://schemas.microsoft.com/office/infopath/2007/PartnerControls">
-  <documentManagement/>
-</p:properties>
+<?mso-contentType ?>
+<FormTemplates xmlns="http://schemas.microsoft.com/sharepoint/v3/contenttype/forms">
+  <Display>DocumentLibraryForm</Display>
+  <Edit>DocumentLibraryForm</Edit>
+  <New>DocumentLibraryForm</New>
+</FormTemplates>
 </file>
 
 <file path=customXml/item2.xml><?xml version="1.0" encoding="utf-8"?>
@@ -6801,25 +7161,15 @@
 </file>
 
 <file path=customXml/item3.xml><?xml version="1.0" encoding="utf-8"?>
-<?mso-contentType ?>
-<FormTemplates xmlns="http://schemas.microsoft.com/sharepoint/v3/contenttype/forms">
-  <Display>DocumentLibraryForm</Display>
-  <Edit>DocumentLibraryForm</Edit>
-  <New>DocumentLibraryForm</New>
-</FormTemplates>
+<p:properties xmlns:p="http://schemas.microsoft.com/office/2006/metadata/properties" xmlns:xsi="http://www.w3.org/2001/XMLSchema-instance" xmlns:pc="http://schemas.microsoft.com/office/infopath/2007/PartnerControls">
+  <documentManagement/>
+</p:properties>
 </file>
 
 <file path=customXml/itemProps1.xml><?xml version="1.0" encoding="utf-8"?>
-<ds:datastoreItem xmlns:ds="http://schemas.openxmlformats.org/officeDocument/2006/customXml" ds:itemID="{69397995-99AB-4CAB-B14D-97603C4B9A22}">
+<ds:datastoreItem xmlns:ds="http://schemas.openxmlformats.org/officeDocument/2006/customXml" ds:itemID="{9A310CC6-B896-41EF-93D6-E0EF32089B4E}">
   <ds:schemaRefs>
-    <ds:schemaRef ds:uri="http://purl.org/dc/terms/"/>
-    <ds:schemaRef ds:uri="http://schemas.openxmlformats.org/package/2006/metadata/core-properties"/>
-    <ds:schemaRef ds:uri="http://schemas.microsoft.com/office/2006/documentManagement/types"/>
-    <ds:schemaRef ds:uri="http://schemas.microsoft.com/office/infopath/2007/PartnerControls"/>
-    <ds:schemaRef ds:uri="http://purl.org/dc/elements/1.1/"/>
-    <ds:schemaRef ds:uri="http://schemas.microsoft.com/office/2006/metadata/properties"/>
-    <ds:schemaRef ds:uri="http://www.w3.org/XML/1998/namespace"/>
-    <ds:schemaRef ds:uri="http://purl.org/dc/dcmitype/"/>
+    <ds:schemaRef ds:uri="http://schemas.microsoft.com/sharepoint/v3/contenttype/forms"/>
   </ds:schemaRefs>
 </ds:datastoreItem>
 </file>
@@ -6841,9 +7191,16 @@
 </file>
 
 <file path=customXml/itemProps3.xml><?xml version="1.0" encoding="utf-8"?>
-<ds:datastoreItem xmlns:ds="http://schemas.openxmlformats.org/officeDocument/2006/customXml" ds:itemID="{9A310CC6-B896-41EF-93D6-E0EF32089B4E}">
+<ds:datastoreItem xmlns:ds="http://schemas.openxmlformats.org/officeDocument/2006/customXml" ds:itemID="{69397995-99AB-4CAB-B14D-97603C4B9A22}">
   <ds:schemaRefs>
-    <ds:schemaRef ds:uri="http://schemas.microsoft.com/sharepoint/v3/contenttype/forms"/>
+    <ds:schemaRef ds:uri="http://purl.org/dc/terms/"/>
+    <ds:schemaRef ds:uri="http://schemas.openxmlformats.org/package/2006/metadata/core-properties"/>
+    <ds:schemaRef ds:uri="http://schemas.microsoft.com/office/2006/documentManagement/types"/>
+    <ds:schemaRef ds:uri="http://schemas.microsoft.com/office/infopath/2007/PartnerControls"/>
+    <ds:schemaRef ds:uri="http://purl.org/dc/elements/1.1/"/>
+    <ds:schemaRef ds:uri="http://schemas.microsoft.com/office/2006/metadata/properties"/>
+    <ds:schemaRef ds:uri="http://www.w3.org/XML/1998/namespace"/>
+    <ds:schemaRef ds:uri="http://purl.org/dc/dcmitype/"/>
   </ds:schemaRefs>
 </ds:datastoreItem>
 </file>
--- a/Презентация.pptx
+++ b/Презентация.pptx
@@ -5,18 +5,17 @@
     <p:sldMasterId id="2147483648" r:id="rId4"/>
   </p:sldMasterIdLst>
   <p:notesMasterIdLst>
-    <p:notesMasterId r:id="rId14"/>
+    <p:notesMasterId r:id="rId13"/>
   </p:notesMasterIdLst>
   <p:sldIdLst>
     <p:sldId id="256" r:id="rId5"/>
     <p:sldId id="265" r:id="rId6"/>
-    <p:sldId id="258" r:id="rId7"/>
-    <p:sldId id="261" r:id="rId8"/>
-    <p:sldId id="260" r:id="rId9"/>
-    <p:sldId id="262" r:id="rId10"/>
-    <p:sldId id="263" r:id="rId11"/>
-    <p:sldId id="264" r:id="rId12"/>
-    <p:sldId id="259" r:id="rId13"/>
+    <p:sldId id="261" r:id="rId7"/>
+    <p:sldId id="260" r:id="rId8"/>
+    <p:sldId id="262" r:id="rId9"/>
+    <p:sldId id="263" r:id="rId10"/>
+    <p:sldId id="264" r:id="rId11"/>
+    <p:sldId id="259" r:id="rId12"/>
   </p:sldIdLst>
   <p:sldSz cx="9144000" cy="6858000" type="screen4x3"/>
   <p:notesSz cx="6858000" cy="9144000"/>
@@ -117,7 +116,7 @@
   </p:defaultTextStyle>
   <p:extLst>
     <p:ext uri="{EFAFB233-063F-42B5-8137-9DF3F51BA10A}">
-      <p15:sldGuideLst xmlns:p15="http://schemas.microsoft.com/office/powerpoint/2012/main" xmlns="">
+      <p15:sldGuideLst xmlns:p15="http://schemas.microsoft.com/office/powerpoint/2012/main">
         <p15:guide id="1" orient="horz" pos="2160">
           <p15:clr>
             <a:srgbClr val="A4A3A4"/>
@@ -217,7 +216,7 @@
             <a:fld id="{82B89872-EADB-424F-BCFE-86CD413EEB5F}" type="datetimeFigureOut">
               <a:rPr lang="ru-RU" smtClean="0"/>
               <a:pPr/>
-              <a:t>24.05.2025</a:t>
+              <a:t>26.05.2025</a:t>
             </a:fld>
             <a:endParaRPr lang="ru-RU"/>
           </a:p>
@@ -669,7 +668,7 @@
           <a:p>
             <a:fld id="{09F4C3FF-2A93-4094-9912-380B99865F6E}" type="datetime1">
               <a:rPr lang="ru-RU" smtClean="0"/>
-              <a:t>24.05.2025</a:t>
+              <a:t>26.05.2025</a:t>
             </a:fld>
             <a:endParaRPr lang="ru-RU"/>
           </a:p>
@@ -835,7 +834,7 @@
           <a:p>
             <a:fld id="{28E7ECC4-BD29-4C60-97CB-304502DBA744}" type="datetime1">
               <a:rPr lang="ru-RU" smtClean="0"/>
-              <a:t>24.05.2025</a:t>
+              <a:t>26.05.2025</a:t>
             </a:fld>
             <a:endParaRPr lang="ru-RU"/>
           </a:p>
@@ -1011,7 +1010,7 @@
           <a:p>
             <a:fld id="{FD5F8427-1B27-4E8B-A43A-63C9FF3680AA}" type="datetime1">
               <a:rPr lang="ru-RU" smtClean="0"/>
-              <a:t>24.05.2025</a:t>
+              <a:t>26.05.2025</a:t>
             </a:fld>
             <a:endParaRPr lang="ru-RU"/>
           </a:p>
@@ -1177,7 +1176,7 @@
           <a:p>
             <a:fld id="{18EE79D2-51A2-4BAE-AF7D-622ACE5E382A}" type="datetime1">
               <a:rPr lang="ru-RU" smtClean="0"/>
-              <a:t>24.05.2025</a:t>
+              <a:t>26.05.2025</a:t>
             </a:fld>
             <a:endParaRPr lang="ru-RU"/>
           </a:p>
@@ -1419,7 +1418,7 @@
           <a:p>
             <a:fld id="{C0E6C5AF-2BB0-4704-9B8A-A705C1AB7E0C}" type="datetime1">
               <a:rPr lang="ru-RU" smtClean="0"/>
-              <a:t>24.05.2025</a:t>
+              <a:t>26.05.2025</a:t>
             </a:fld>
             <a:endParaRPr lang="ru-RU"/>
           </a:p>
@@ -1703,7 +1702,7 @@
           <a:p>
             <a:fld id="{E03CA805-BFD0-4711-B8CA-FAC1D7DE6BED}" type="datetime1">
               <a:rPr lang="ru-RU" smtClean="0"/>
-              <a:t>24.05.2025</a:t>
+              <a:t>26.05.2025</a:t>
             </a:fld>
             <a:endParaRPr lang="ru-RU"/>
           </a:p>
@@ -2121,7 +2120,7 @@
           <a:p>
             <a:fld id="{469A26B6-34E8-4D4B-B280-2AA4CB6C8078}" type="datetime1">
               <a:rPr lang="ru-RU" smtClean="0"/>
-              <a:t>24.05.2025</a:t>
+              <a:t>26.05.2025</a:t>
             </a:fld>
             <a:endParaRPr lang="ru-RU"/>
           </a:p>
@@ -2235,7 +2234,7 @@
           <a:p>
             <a:fld id="{0F5F0849-0B44-4CFD-BACC-EB7A8A2C2BC7}" type="datetime1">
               <a:rPr lang="ru-RU" smtClean="0"/>
-              <a:t>24.05.2025</a:t>
+              <a:t>26.05.2025</a:t>
             </a:fld>
             <a:endParaRPr lang="ru-RU"/>
           </a:p>
@@ -2326,7 +2325,7 @@
           <a:p>
             <a:fld id="{67B3BD9E-D15B-4421-BCCF-9AED30186C2E}" type="datetime1">
               <a:rPr lang="ru-RU" smtClean="0"/>
-              <a:t>24.05.2025</a:t>
+              <a:t>26.05.2025</a:t>
             </a:fld>
             <a:endParaRPr lang="ru-RU"/>
           </a:p>
@@ -2599,7 +2598,7 @@
           <a:p>
             <a:fld id="{99EA0F94-A060-4E47-8209-BED4340F92DF}" type="datetime1">
               <a:rPr lang="ru-RU" smtClean="0"/>
-              <a:t>24.05.2025</a:t>
+              <a:t>26.05.2025</a:t>
             </a:fld>
             <a:endParaRPr lang="ru-RU"/>
           </a:p>
@@ -2848,7 +2847,7 @@
           <a:p>
             <a:fld id="{01402660-97CB-41A8-90EA-E226A0A40069}" type="datetime1">
               <a:rPr lang="ru-RU" smtClean="0"/>
-              <a:t>24.05.2025</a:t>
+              <a:t>26.05.2025</a:t>
             </a:fld>
             <a:endParaRPr lang="ru-RU"/>
           </a:p>
@@ -3060,7 +3059,7 @@
           <a:p>
             <a:fld id="{EBAA103E-D081-4A2E-8A1C-320C2BB251D2}" type="datetime1">
               <a:rPr lang="ru-RU" smtClean="0"/>
-              <a:t>24.05.2025</a:t>
+              <a:t>26.05.2025</a:t>
             </a:fld>
             <a:endParaRPr lang="ru-RU"/>
           </a:p>
@@ -3787,7 +3786,18 @@
                 <a:ea typeface="Verdana" pitchFamily="34" charset="0"/>
                 <a:cs typeface="Verdana" pitchFamily="34" charset="0"/>
               </a:rPr>
-              <a:t>Цели и актуальность</a:t>
+              <a:t>Цели </a:t>
+            </a:r>
+            <a:r>
+              <a:rPr lang="ru-RU" b="1" dirty="0" smtClean="0">
+                <a:solidFill>
+                  <a:srgbClr val="13629B"/>
+                </a:solidFill>
+                <a:latin typeface="Verdana" pitchFamily="34" charset="0"/>
+                <a:ea typeface="Verdana" pitchFamily="34" charset="0"/>
+                <a:cs typeface="Verdana" pitchFamily="34" charset="0"/>
+              </a:rPr>
+              <a:t>и Задачи</a:t>
             </a:r>
             <a:endParaRPr lang="ru-RU" b="1" dirty="0">
               <a:solidFill>
@@ -3818,10 +3828,13 @@
         </p:spPr>
         <p:txBody>
           <a:bodyPr>
-            <a:normAutofit/>
+            <a:normAutofit fontScale="92500" lnSpcReduction="20000"/>
           </a:bodyPr>
           <a:lstStyle/>
           <a:p>
+            <a:pPr marL="0" indent="0">
+              <a:buNone/>
+            </a:pPr>
             <a:r>
               <a:rPr lang="ru-RU" sz="2000" b="1" dirty="0">
                 <a:solidFill>
@@ -3842,10 +3855,148 @@
                 <a:ea typeface="Verdana" pitchFamily="34" charset="0"/>
                 <a:cs typeface="Verdana" pitchFamily="34" charset="0"/>
               </a:rPr>
-              <a:t>больницы с точки зрения программной части серверов.</a:t>
-            </a:r>
-          </a:p>
-          <a:p>
+              <a:t>больницы с точки зрения программной части серверов</a:t>
+            </a:r>
+            <a:r>
+              <a:rPr lang="ru-RU" sz="2000" b="1" dirty="0" smtClean="0">
+                <a:solidFill>
+                  <a:srgbClr val="13629B"/>
+                </a:solidFill>
+                <a:latin typeface="Verdana" pitchFamily="34" charset="0"/>
+                <a:ea typeface="Verdana" pitchFamily="34" charset="0"/>
+                <a:cs typeface="Verdana" pitchFamily="34" charset="0"/>
+              </a:rPr>
+              <a:t>.</a:t>
+            </a:r>
+            <a:endParaRPr lang="en-US" sz="2000" b="1" dirty="0" smtClean="0">
+              <a:solidFill>
+                <a:srgbClr val="13629B"/>
+              </a:solidFill>
+              <a:latin typeface="Verdana" pitchFamily="34" charset="0"/>
+              <a:ea typeface="Verdana" pitchFamily="34" charset="0"/>
+              <a:cs typeface="Verdana" pitchFamily="34" charset="0"/>
+            </a:endParaRPr>
+          </a:p>
+          <a:p>
+            <a:pPr marL="0" indent="0">
+              <a:buNone/>
+            </a:pPr>
+            <a:endParaRPr lang="ru-RU" sz="2000" b="1" dirty="0" smtClean="0">
+              <a:solidFill>
+                <a:srgbClr val="13629B"/>
+              </a:solidFill>
+              <a:latin typeface="Verdana" pitchFamily="34" charset="0"/>
+              <a:ea typeface="Verdana" pitchFamily="34" charset="0"/>
+              <a:cs typeface="Verdana" pitchFamily="34" charset="0"/>
+            </a:endParaRPr>
+          </a:p>
+          <a:p>
+            <a:pPr marL="0" indent="0">
+              <a:buNone/>
+            </a:pPr>
+            <a:r>
+              <a:rPr lang="ru-RU" sz="2000" b="1" dirty="0" smtClean="0">
+                <a:solidFill>
+                  <a:srgbClr val="13629B"/>
+                </a:solidFill>
+                <a:latin typeface="Verdana" pitchFamily="34" charset="0"/>
+                <a:ea typeface="Verdana" pitchFamily="34" charset="0"/>
+                <a:cs typeface="Verdana" pitchFamily="34" charset="0"/>
+              </a:rPr>
+              <a:t>Задачи проекта</a:t>
+            </a:r>
+            <a:r>
+              <a:rPr lang="en-US" sz="2000" b="1" dirty="0" smtClean="0">
+                <a:solidFill>
+                  <a:srgbClr val="13629B"/>
+                </a:solidFill>
+                <a:latin typeface="Verdana" pitchFamily="34" charset="0"/>
+                <a:ea typeface="Verdana" pitchFamily="34" charset="0"/>
+                <a:cs typeface="Verdana" pitchFamily="34" charset="0"/>
+              </a:rPr>
+              <a:t>:</a:t>
+            </a:r>
+            <a:endParaRPr lang="ru-RU" sz="2000" b="1" dirty="0" smtClean="0">
+              <a:solidFill>
+                <a:srgbClr val="13629B"/>
+              </a:solidFill>
+              <a:latin typeface="Verdana" pitchFamily="34" charset="0"/>
+              <a:ea typeface="Verdana" pitchFamily="34" charset="0"/>
+              <a:cs typeface="Verdana" pitchFamily="34" charset="0"/>
+            </a:endParaRPr>
+          </a:p>
+          <a:p>
+            <a:r>
+              <a:rPr lang="ru-RU" sz="2000" b="1" dirty="0">
+                <a:solidFill>
+                  <a:srgbClr val="13629B"/>
+                </a:solidFill>
+                <a:latin typeface="Verdana" pitchFamily="34" charset="0"/>
+                <a:ea typeface="Verdana" pitchFamily="34" charset="0"/>
+                <a:cs typeface="Verdana" pitchFamily="34" charset="0"/>
+              </a:rPr>
+              <a:t>Развертывание</a:t>
+            </a:r>
+            <a:r>
+              <a:rPr lang="en-US" sz="2000" b="1" dirty="0">
+                <a:solidFill>
+                  <a:srgbClr val="13629B"/>
+                </a:solidFill>
+                <a:latin typeface="Verdana" pitchFamily="34" charset="0"/>
+                <a:ea typeface="Verdana" pitchFamily="34" charset="0"/>
+                <a:cs typeface="Verdana" pitchFamily="34" charset="0"/>
+              </a:rPr>
+              <a:t> </a:t>
+            </a:r>
+            <a:r>
+              <a:rPr lang="ru-RU" sz="2000" b="1" dirty="0">
+                <a:solidFill>
+                  <a:srgbClr val="13629B"/>
+                </a:solidFill>
+                <a:latin typeface="Verdana" pitchFamily="34" charset="0"/>
+                <a:ea typeface="Verdana" pitchFamily="34" charset="0"/>
+                <a:cs typeface="Verdana" pitchFamily="34" charset="0"/>
+              </a:rPr>
+              <a:t>виртуальных серверов</a:t>
+            </a:r>
+          </a:p>
+          <a:p>
+            <a:pPr marL="0" indent="0">
+              <a:buNone/>
+            </a:pPr>
+            <a:r>
+              <a:rPr lang="en-US" sz="2000" b="1" dirty="0" smtClean="0">
+                <a:solidFill>
+                  <a:srgbClr val="13629B"/>
+                </a:solidFill>
+                <a:latin typeface="Verdana" pitchFamily="34" charset="0"/>
+                <a:ea typeface="Verdana" pitchFamily="34" charset="0"/>
+                <a:cs typeface="Verdana" pitchFamily="34" charset="0"/>
+              </a:rPr>
+              <a:t>	–</a:t>
+            </a:r>
+            <a:r>
+              <a:rPr lang="ru-RU" sz="2000" b="1" dirty="0" smtClean="0">
+                <a:solidFill>
+                  <a:srgbClr val="13629B"/>
+                </a:solidFill>
+                <a:latin typeface="Verdana" pitchFamily="34" charset="0"/>
+                <a:ea typeface="Verdana" pitchFamily="34" charset="0"/>
+                <a:cs typeface="Verdana" pitchFamily="34" charset="0"/>
+              </a:rPr>
+              <a:t> </a:t>
+            </a:r>
+            <a:r>
+              <a:rPr lang="en-US" sz="2000" b="1" dirty="0" err="1" smtClean="0">
+                <a:solidFill>
+                  <a:srgbClr val="13629B"/>
+                </a:solidFill>
+                <a:latin typeface="Verdana" pitchFamily="34" charset="0"/>
+                <a:ea typeface="Verdana" pitchFamily="34" charset="0"/>
+                <a:cs typeface="Verdana" pitchFamily="34" charset="0"/>
+              </a:rPr>
+              <a:t>ProxMox</a:t>
+            </a:r>
             <a:endParaRPr lang="ru-RU" sz="2000" b="1" dirty="0">
               <a:solidFill>
                 <a:srgbClr val="13629B"/>
@@ -3857,6 +4008,166 @@
           </a:p>
           <a:p>
             <a:r>
+              <a:rPr lang="ru-RU" sz="2000" b="1" dirty="0">
+                <a:solidFill>
+                  <a:srgbClr val="13629B"/>
+                </a:solidFill>
+                <a:latin typeface="Verdana" pitchFamily="34" charset="0"/>
+                <a:ea typeface="Verdana" pitchFamily="34" charset="0"/>
+                <a:cs typeface="Verdana" pitchFamily="34" charset="0"/>
+              </a:rPr>
+              <a:t>Обеспечение отказоустойчивости и резервного копирования</a:t>
+            </a:r>
+            <a:r>
+              <a:rPr lang="en-US" sz="2000" b="1" dirty="0">
+                <a:solidFill>
+                  <a:srgbClr val="13629B"/>
+                </a:solidFill>
+                <a:latin typeface="Verdana" pitchFamily="34" charset="0"/>
+                <a:ea typeface="Verdana" pitchFamily="34" charset="0"/>
+                <a:cs typeface="Verdana" pitchFamily="34" charset="0"/>
+              </a:rPr>
+              <a:t> </a:t>
+            </a:r>
+          </a:p>
+          <a:p>
+            <a:pPr marL="0" indent="0">
+              <a:buNone/>
+            </a:pPr>
+            <a:r>
+              <a:rPr lang="en-US" sz="2000" b="1" dirty="0" smtClean="0">
+                <a:solidFill>
+                  <a:srgbClr val="13629B"/>
+                </a:solidFill>
+                <a:latin typeface="Verdana" pitchFamily="34" charset="0"/>
+                <a:ea typeface="Verdana" pitchFamily="34" charset="0"/>
+                <a:cs typeface="Verdana" pitchFamily="34" charset="0"/>
+              </a:rPr>
+              <a:t>	– </a:t>
+            </a:r>
+            <a:r>
+              <a:rPr lang="en-US" sz="2000" b="1" dirty="0">
+                <a:solidFill>
+                  <a:srgbClr val="13629B"/>
+                </a:solidFill>
+                <a:latin typeface="Verdana" pitchFamily="34" charset="0"/>
+                <a:ea typeface="Verdana" pitchFamily="34" charset="0"/>
+                <a:cs typeface="Verdana" pitchFamily="34" charset="0"/>
+              </a:rPr>
+              <a:t>RAID</a:t>
+            </a:r>
+            <a:r>
+              <a:rPr lang="ru-RU" sz="2000" b="1" dirty="0">
+                <a:solidFill>
+                  <a:srgbClr val="13629B"/>
+                </a:solidFill>
+                <a:latin typeface="Verdana" pitchFamily="34" charset="0"/>
+                <a:ea typeface="Verdana" pitchFamily="34" charset="0"/>
+                <a:cs typeface="Verdana" pitchFamily="34" charset="0"/>
+              </a:rPr>
+              <a:t>, </a:t>
+            </a:r>
+            <a:r>
+              <a:rPr lang="en-US" sz="2000" b="1" dirty="0" err="1">
+                <a:solidFill>
+                  <a:srgbClr val="13629B"/>
+                </a:solidFill>
+                <a:latin typeface="Verdana" pitchFamily="34" charset="0"/>
+                <a:ea typeface="Verdana" pitchFamily="34" charset="0"/>
+                <a:cs typeface="Verdana" pitchFamily="34" charset="0"/>
+              </a:rPr>
+              <a:t>KeepAliveD</a:t>
+            </a:r>
+            <a:r>
+              <a:rPr lang="en-US" sz="2000" b="1" dirty="0">
+                <a:solidFill>
+                  <a:srgbClr val="13629B"/>
+                </a:solidFill>
+                <a:latin typeface="Verdana" pitchFamily="34" charset="0"/>
+                <a:ea typeface="Verdana" pitchFamily="34" charset="0"/>
+                <a:cs typeface="Verdana" pitchFamily="34" charset="0"/>
+              </a:rPr>
+              <a:t>, </a:t>
+            </a:r>
+            <a:r>
+              <a:rPr lang="en-US" sz="2000" b="1" dirty="0" err="1">
+                <a:solidFill>
+                  <a:srgbClr val="13629B"/>
+                </a:solidFill>
+                <a:latin typeface="Verdana" pitchFamily="34" charset="0"/>
+                <a:ea typeface="Verdana" pitchFamily="34" charset="0"/>
+                <a:cs typeface="Verdana" pitchFamily="34" charset="0"/>
+              </a:rPr>
+              <a:t>rSync</a:t>
+            </a:r>
+            <a:r>
+              <a:rPr lang="en-US" sz="2000" b="1" dirty="0">
+                <a:solidFill>
+                  <a:srgbClr val="13629B"/>
+                </a:solidFill>
+                <a:latin typeface="Verdana" pitchFamily="34" charset="0"/>
+                <a:ea typeface="Verdana" pitchFamily="34" charset="0"/>
+                <a:cs typeface="Verdana" pitchFamily="34" charset="0"/>
+              </a:rPr>
+              <a:t>, </a:t>
+            </a:r>
+            <a:r>
+              <a:rPr lang="en-US" sz="2000" b="1" dirty="0" err="1" smtClean="0">
+                <a:solidFill>
+                  <a:srgbClr val="13629B"/>
+                </a:solidFill>
+                <a:latin typeface="Verdana" pitchFamily="34" charset="0"/>
+                <a:ea typeface="Verdana" pitchFamily="34" charset="0"/>
+                <a:cs typeface="Verdana" pitchFamily="34" charset="0"/>
+              </a:rPr>
+              <a:t>MySQLdump</a:t>
+            </a:r>
+            <a:endParaRPr lang="ru-RU" sz="2000" b="1" dirty="0">
+              <a:solidFill>
+                <a:srgbClr val="13629B"/>
+              </a:solidFill>
+              <a:latin typeface="Verdana" pitchFamily="34" charset="0"/>
+              <a:ea typeface="Verdana" pitchFamily="34" charset="0"/>
+              <a:cs typeface="Verdana" pitchFamily="34" charset="0"/>
+            </a:endParaRPr>
+          </a:p>
+          <a:p>
+            <a:r>
+              <a:rPr lang="ru-RU" sz="2000" b="1" dirty="0">
+                <a:solidFill>
+                  <a:srgbClr val="13629B"/>
+                </a:solidFill>
+                <a:latin typeface="Verdana" pitchFamily="34" charset="0"/>
+                <a:ea typeface="Verdana" pitchFamily="34" charset="0"/>
+                <a:cs typeface="Verdana" pitchFamily="34" charset="0"/>
+              </a:rPr>
+              <a:t>Управление пользователями и доступом </a:t>
+            </a:r>
+            <a:endParaRPr lang="en-US" sz="2000" b="1" dirty="0">
+              <a:solidFill>
+                <a:srgbClr val="13629B"/>
+              </a:solidFill>
+              <a:latin typeface="Verdana" pitchFamily="34" charset="0"/>
+              <a:ea typeface="Verdana" pitchFamily="34" charset="0"/>
+              <a:cs typeface="Verdana" pitchFamily="34" charset="0"/>
+            </a:endParaRPr>
+          </a:p>
+          <a:p>
+            <a:pPr marL="0" indent="0">
+              <a:buNone/>
+            </a:pPr>
+            <a:r>
+              <a:rPr lang="en-US" sz="2000" b="1" dirty="0" smtClean="0">
+                <a:solidFill>
+                  <a:srgbClr val="13629B"/>
+                </a:solidFill>
+                <a:latin typeface="Verdana" pitchFamily="34" charset="0"/>
+                <a:ea typeface="Verdana" pitchFamily="34" charset="0"/>
+                <a:cs typeface="Verdana" pitchFamily="34" charset="0"/>
+              </a:rPr>
+              <a:t>	</a:t>
+            </a:r>
+            <a:r>
               <a:rPr lang="ru-RU" sz="2000" b="1" dirty="0" smtClean="0">
                 <a:solidFill>
                   <a:srgbClr val="13629B"/>
@@ -3865,8 +4176,29 @@
                 <a:ea typeface="Verdana" pitchFamily="34" charset="0"/>
                 <a:cs typeface="Verdana" pitchFamily="34" charset="0"/>
               </a:rPr>
-              <a:t>Актуальность </a:t>
-            </a:r>
+              <a:t>- </a:t>
+            </a:r>
+            <a:r>
+              <a:rPr lang="en-US" sz="2000" b="1" dirty="0" smtClean="0">
+                <a:solidFill>
+                  <a:srgbClr val="13629B"/>
+                </a:solidFill>
+                <a:latin typeface="Verdana" pitchFamily="34" charset="0"/>
+                <a:ea typeface="Verdana" pitchFamily="34" charset="0"/>
+                <a:cs typeface="Verdana" pitchFamily="34" charset="0"/>
+              </a:rPr>
+              <a:t>ADDS</a:t>
+            </a:r>
+            <a:endParaRPr lang="ru-RU" sz="2000" b="1" dirty="0">
+              <a:solidFill>
+                <a:srgbClr val="13629B"/>
+              </a:solidFill>
+              <a:latin typeface="Verdana" pitchFamily="34" charset="0"/>
+              <a:ea typeface="Verdana" pitchFamily="34" charset="0"/>
+              <a:cs typeface="Verdana" pitchFamily="34" charset="0"/>
+            </a:endParaRPr>
+          </a:p>
+          <a:p>
             <a:r>
               <a:rPr lang="ru-RU" sz="2000" b="1" dirty="0">
                 <a:solidFill>
@@ -3876,8 +4208,157 @@
                 <a:ea typeface="Verdana" pitchFamily="34" charset="0"/>
                 <a:cs typeface="Verdana" pitchFamily="34" charset="0"/>
               </a:rPr>
-              <a:t>исследования заключается в возможности использования предложенного проекта при построении или модернизации компьютерных сетей в медицинских учреждениях, что позволит повысить их надёжность, безопасность и эффективность функционирования.</a:t>
-            </a:r>
+              <a:t>Защита данных</a:t>
+            </a:r>
+            <a:r>
+              <a:rPr lang="en-US" sz="2000" b="1" dirty="0">
+                <a:solidFill>
+                  <a:srgbClr val="13629B"/>
+                </a:solidFill>
+                <a:latin typeface="Verdana" pitchFamily="34" charset="0"/>
+                <a:ea typeface="Verdana" pitchFamily="34" charset="0"/>
+                <a:cs typeface="Verdana" pitchFamily="34" charset="0"/>
+              </a:rPr>
+              <a:t> </a:t>
+            </a:r>
+          </a:p>
+          <a:p>
+            <a:pPr marL="0" indent="0">
+              <a:buNone/>
+            </a:pPr>
+            <a:r>
+              <a:rPr lang="en-US" sz="2000" b="1" dirty="0" smtClean="0">
+                <a:solidFill>
+                  <a:srgbClr val="13629B"/>
+                </a:solidFill>
+                <a:latin typeface="Verdana" pitchFamily="34" charset="0"/>
+                <a:ea typeface="Verdana" pitchFamily="34" charset="0"/>
+                <a:cs typeface="Verdana" pitchFamily="34" charset="0"/>
+              </a:rPr>
+              <a:t>	– </a:t>
+            </a:r>
+            <a:r>
+              <a:rPr lang="en-US" sz="2000" b="1" dirty="0">
+                <a:solidFill>
+                  <a:srgbClr val="13629B"/>
+                </a:solidFill>
+                <a:latin typeface="Verdana" pitchFamily="34" charset="0"/>
+                <a:ea typeface="Verdana" pitchFamily="34" charset="0"/>
+                <a:cs typeface="Verdana" pitchFamily="34" charset="0"/>
+              </a:rPr>
+              <a:t>EFS, </a:t>
+            </a:r>
+            <a:r>
+              <a:rPr lang="en-US" sz="2000" b="1" dirty="0" smtClean="0">
+                <a:solidFill>
+                  <a:srgbClr val="13629B"/>
+                </a:solidFill>
+                <a:latin typeface="Verdana" pitchFamily="34" charset="0"/>
+                <a:ea typeface="Verdana" pitchFamily="34" charset="0"/>
+                <a:cs typeface="Verdana" pitchFamily="34" charset="0"/>
+              </a:rPr>
+              <a:t>LUKS</a:t>
+            </a:r>
+            <a:endParaRPr lang="ru-RU" sz="2000" b="1" dirty="0">
+              <a:solidFill>
+                <a:srgbClr val="13629B"/>
+              </a:solidFill>
+              <a:latin typeface="Verdana" pitchFamily="34" charset="0"/>
+              <a:ea typeface="Verdana" pitchFamily="34" charset="0"/>
+              <a:cs typeface="Verdana" pitchFamily="34" charset="0"/>
+            </a:endParaRPr>
+          </a:p>
+          <a:p>
+            <a:r>
+              <a:rPr lang="ru-RU" sz="2000" b="1" dirty="0">
+                <a:solidFill>
+                  <a:srgbClr val="13629B"/>
+                </a:solidFill>
+                <a:latin typeface="Verdana" pitchFamily="34" charset="0"/>
+                <a:ea typeface="Verdana" pitchFamily="34" charset="0"/>
+                <a:cs typeface="Verdana" pitchFamily="34" charset="0"/>
+              </a:rPr>
+              <a:t>Мониторинг сети</a:t>
+            </a:r>
+            <a:r>
+              <a:rPr lang="en-US" sz="2000" b="1" dirty="0">
+                <a:solidFill>
+                  <a:srgbClr val="13629B"/>
+                </a:solidFill>
+                <a:latin typeface="Verdana" pitchFamily="34" charset="0"/>
+                <a:ea typeface="Verdana" pitchFamily="34" charset="0"/>
+                <a:cs typeface="Verdana" pitchFamily="34" charset="0"/>
+              </a:rPr>
+              <a:t> </a:t>
+            </a:r>
+          </a:p>
+          <a:p>
+            <a:pPr marL="0" indent="0">
+              <a:buNone/>
+            </a:pPr>
+            <a:r>
+              <a:rPr lang="en-US" sz="2000" b="1" dirty="0" smtClean="0">
+                <a:solidFill>
+                  <a:srgbClr val="13629B"/>
+                </a:solidFill>
+                <a:latin typeface="Verdana" pitchFamily="34" charset="0"/>
+                <a:ea typeface="Verdana" pitchFamily="34" charset="0"/>
+                <a:cs typeface="Verdana" pitchFamily="34" charset="0"/>
+              </a:rPr>
+              <a:t>	- </a:t>
+            </a:r>
+            <a:r>
+              <a:rPr lang="en-US" sz="2000" b="1" dirty="0" err="1">
+                <a:solidFill>
+                  <a:srgbClr val="13629B"/>
+                </a:solidFill>
+                <a:latin typeface="Verdana" pitchFamily="34" charset="0"/>
+                <a:ea typeface="Verdana" pitchFamily="34" charset="0"/>
+                <a:cs typeface="Verdana" pitchFamily="34" charset="0"/>
+              </a:rPr>
+              <a:t>Zabbix</a:t>
+            </a:r>
+            <a:endParaRPr lang="ru-RU" sz="2000" b="1" dirty="0">
+              <a:solidFill>
+                <a:srgbClr val="13629B"/>
+              </a:solidFill>
+              <a:latin typeface="Verdana" pitchFamily="34" charset="0"/>
+              <a:ea typeface="Verdana" pitchFamily="34" charset="0"/>
+              <a:cs typeface="Verdana" pitchFamily="34" charset="0"/>
+            </a:endParaRPr>
+          </a:p>
+          <a:p>
+            <a:endParaRPr lang="ru-RU" sz="2000" b="1" dirty="0" smtClean="0">
+              <a:solidFill>
+                <a:srgbClr val="13629B"/>
+              </a:solidFill>
+              <a:latin typeface="Verdana" pitchFamily="34" charset="0"/>
+              <a:ea typeface="Verdana" pitchFamily="34" charset="0"/>
+              <a:cs typeface="Verdana" pitchFamily="34" charset="0"/>
+            </a:endParaRPr>
+          </a:p>
+          <a:p>
+            <a:endParaRPr lang="ru-RU" sz="2000" b="1" dirty="0">
+              <a:solidFill>
+                <a:srgbClr val="13629B"/>
+              </a:solidFill>
+              <a:latin typeface="Verdana" pitchFamily="34" charset="0"/>
+              <a:ea typeface="Verdana" pitchFamily="34" charset="0"/>
+              <a:cs typeface="Verdana" pitchFamily="34" charset="0"/>
+            </a:endParaRPr>
+          </a:p>
+          <a:p>
+            <a:pPr marL="0" indent="0">
+              <a:buNone/>
+            </a:pPr>
+            <a:endParaRPr lang="ru-RU" sz="2000" b="1" dirty="0">
+              <a:solidFill>
+                <a:srgbClr val="13629B"/>
+              </a:solidFill>
+              <a:latin typeface="Verdana" pitchFamily="34" charset="0"/>
+              <a:ea typeface="Verdana" pitchFamily="34" charset="0"/>
+              <a:cs typeface="Verdana" pitchFamily="34" charset="0"/>
+            </a:endParaRPr>
           </a:p>
         </p:txBody>
       </p:sp>
@@ -3954,570 +4435,6 @@
         </p:nvSpPr>
         <p:spPr/>
         <p:txBody>
-          <a:bodyPr/>
-          <a:lstStyle/>
-          <a:p>
-            <a:r>
-              <a:rPr lang="ru-RU" b="1" dirty="0" smtClean="0">
-                <a:solidFill>
-                  <a:srgbClr val="13629B"/>
-                </a:solidFill>
-                <a:latin typeface="Verdana" pitchFamily="34" charset="0"/>
-                <a:ea typeface="Verdana" pitchFamily="34" charset="0"/>
-                <a:cs typeface="Verdana" pitchFamily="34" charset="0"/>
-              </a:rPr>
-              <a:t>Задачи проекта</a:t>
-            </a:r>
-            <a:endParaRPr lang="ru-RU" b="1" dirty="0">
-              <a:solidFill>
-                <a:srgbClr val="13629B"/>
-              </a:solidFill>
-              <a:latin typeface="Verdana" pitchFamily="34" charset="0"/>
-              <a:ea typeface="Verdana" pitchFamily="34" charset="0"/>
-              <a:cs typeface="Verdana" pitchFamily="34" charset="0"/>
-            </a:endParaRPr>
-          </a:p>
-        </p:txBody>
-      </p:sp>
-      <p:sp>
-        <p:nvSpPr>
-          <p:cNvPr id="3" name="Содержимое 2"/>
-          <p:cNvSpPr>
-            <a:spLocks noGrp="1"/>
-          </p:cNvSpPr>
-          <p:nvPr>
-            <p:ph idx="1"/>
-          </p:nvPr>
-        </p:nvSpPr>
-        <p:spPr>
-          <a:xfrm>
-            <a:off x="457200" y="1600200"/>
-            <a:ext cx="8363272" cy="4781128"/>
-          </a:xfrm>
-        </p:spPr>
-        <p:txBody>
-          <a:bodyPr>
-            <a:normAutofit fontScale="62500" lnSpcReduction="20000"/>
-          </a:bodyPr>
-          <a:lstStyle/>
-          <a:p>
-            <a:r>
-              <a:rPr lang="ru-RU" b="1" dirty="0" smtClean="0">
-                <a:solidFill>
-                  <a:srgbClr val="13629B"/>
-                </a:solidFill>
-                <a:latin typeface="Verdana" pitchFamily="34" charset="0"/>
-                <a:ea typeface="Verdana" pitchFamily="34" charset="0"/>
-                <a:cs typeface="Verdana" pitchFamily="34" charset="0"/>
-              </a:rPr>
-              <a:t>Развертывание</a:t>
-            </a:r>
-            <a:r>
-              <a:rPr lang="en-US" b="1" dirty="0" smtClean="0">
-                <a:solidFill>
-                  <a:srgbClr val="13629B"/>
-                </a:solidFill>
-                <a:latin typeface="Verdana" pitchFamily="34" charset="0"/>
-                <a:ea typeface="Verdana" pitchFamily="34" charset="0"/>
-                <a:cs typeface="Verdana" pitchFamily="34" charset="0"/>
-              </a:rPr>
-              <a:t> </a:t>
-            </a:r>
-            <a:r>
-              <a:rPr lang="ru-RU" b="1" dirty="0" smtClean="0">
-                <a:solidFill>
-                  <a:srgbClr val="13629B"/>
-                </a:solidFill>
-                <a:latin typeface="Verdana" pitchFamily="34" charset="0"/>
-                <a:ea typeface="Verdana" pitchFamily="34" charset="0"/>
-                <a:cs typeface="Verdana" pitchFamily="34" charset="0"/>
-              </a:rPr>
-              <a:t>виртуальных серверов</a:t>
-            </a:r>
-          </a:p>
-          <a:p>
-            <a:pPr marL="0" indent="0">
-              <a:buNone/>
-            </a:pPr>
-            <a:r>
-              <a:rPr lang="en-US" b="1" dirty="0">
-                <a:solidFill>
-                  <a:srgbClr val="13629B"/>
-                </a:solidFill>
-                <a:latin typeface="Verdana" pitchFamily="34" charset="0"/>
-                <a:ea typeface="Verdana" pitchFamily="34" charset="0"/>
-                <a:cs typeface="Verdana" pitchFamily="34" charset="0"/>
-              </a:rPr>
-              <a:t>–</a:t>
-            </a:r>
-            <a:r>
-              <a:rPr lang="ru-RU" b="1" dirty="0" smtClean="0">
-                <a:solidFill>
-                  <a:srgbClr val="13629B"/>
-                </a:solidFill>
-                <a:latin typeface="Verdana" pitchFamily="34" charset="0"/>
-                <a:ea typeface="Verdana" pitchFamily="34" charset="0"/>
-                <a:cs typeface="Verdana" pitchFamily="34" charset="0"/>
-              </a:rPr>
-              <a:t> </a:t>
-            </a:r>
-            <a:r>
-              <a:rPr lang="en-US" b="1" dirty="0" err="1" smtClean="0">
-                <a:solidFill>
-                  <a:srgbClr val="13629B"/>
-                </a:solidFill>
-                <a:latin typeface="Verdana" pitchFamily="34" charset="0"/>
-                <a:ea typeface="Verdana" pitchFamily="34" charset="0"/>
-                <a:cs typeface="Verdana" pitchFamily="34" charset="0"/>
-              </a:rPr>
-              <a:t>ProxMox</a:t>
-            </a:r>
-            <a:endParaRPr lang="ru-RU" b="1" dirty="0">
-              <a:solidFill>
-                <a:srgbClr val="13629B"/>
-              </a:solidFill>
-              <a:latin typeface="Verdana" pitchFamily="34" charset="0"/>
-              <a:ea typeface="Verdana" pitchFamily="34" charset="0"/>
-              <a:cs typeface="Verdana" pitchFamily="34" charset="0"/>
-            </a:endParaRPr>
-          </a:p>
-          <a:p>
-            <a:endParaRPr lang="ru-RU" b="1" dirty="0">
-              <a:solidFill>
-                <a:srgbClr val="13629B"/>
-              </a:solidFill>
-              <a:latin typeface="Verdana" pitchFamily="34" charset="0"/>
-              <a:ea typeface="Verdana" pitchFamily="34" charset="0"/>
-              <a:cs typeface="Verdana" pitchFamily="34" charset="0"/>
-            </a:endParaRPr>
-          </a:p>
-          <a:p>
-            <a:r>
-              <a:rPr lang="ru-RU" b="1" dirty="0">
-                <a:solidFill>
-                  <a:srgbClr val="13629B"/>
-                </a:solidFill>
-                <a:latin typeface="Verdana" pitchFamily="34" charset="0"/>
-                <a:ea typeface="Verdana" pitchFamily="34" charset="0"/>
-                <a:cs typeface="Verdana" pitchFamily="34" charset="0"/>
-              </a:rPr>
-              <a:t>Обеспечение отказоустойчивости и резервного </a:t>
-            </a:r>
-            <a:r>
-              <a:rPr lang="ru-RU" b="1" dirty="0" smtClean="0">
-                <a:solidFill>
-                  <a:srgbClr val="13629B"/>
-                </a:solidFill>
-                <a:latin typeface="Verdana" pitchFamily="34" charset="0"/>
-                <a:ea typeface="Verdana" pitchFamily="34" charset="0"/>
-                <a:cs typeface="Verdana" pitchFamily="34" charset="0"/>
-              </a:rPr>
-              <a:t>копирования</a:t>
-            </a:r>
-            <a:r>
-              <a:rPr lang="en-US" b="1" dirty="0" smtClean="0">
-                <a:solidFill>
-                  <a:srgbClr val="13629B"/>
-                </a:solidFill>
-                <a:latin typeface="Verdana" pitchFamily="34" charset="0"/>
-                <a:ea typeface="Verdana" pitchFamily="34" charset="0"/>
-                <a:cs typeface="Verdana" pitchFamily="34" charset="0"/>
-              </a:rPr>
-              <a:t> </a:t>
-            </a:r>
-          </a:p>
-          <a:p>
-            <a:pPr marL="0" indent="0">
-              <a:buNone/>
-            </a:pPr>
-            <a:r>
-              <a:rPr lang="en-US" b="1" dirty="0" smtClean="0">
-                <a:solidFill>
-                  <a:srgbClr val="13629B"/>
-                </a:solidFill>
-                <a:latin typeface="Verdana" pitchFamily="34" charset="0"/>
-                <a:ea typeface="Verdana" pitchFamily="34" charset="0"/>
-                <a:cs typeface="Verdana" pitchFamily="34" charset="0"/>
-              </a:rPr>
-              <a:t>– RAID</a:t>
-            </a:r>
-            <a:r>
-              <a:rPr lang="ru-RU" b="1" dirty="0" smtClean="0">
-                <a:solidFill>
-                  <a:srgbClr val="13629B"/>
-                </a:solidFill>
-                <a:latin typeface="Verdana" pitchFamily="34" charset="0"/>
-                <a:ea typeface="Verdana" pitchFamily="34" charset="0"/>
-                <a:cs typeface="Verdana" pitchFamily="34" charset="0"/>
-              </a:rPr>
-              <a:t>, </a:t>
-            </a:r>
-            <a:r>
-              <a:rPr lang="en-US" b="1" dirty="0" err="1" smtClean="0">
-                <a:solidFill>
-                  <a:srgbClr val="13629B"/>
-                </a:solidFill>
-                <a:latin typeface="Verdana" pitchFamily="34" charset="0"/>
-                <a:ea typeface="Verdana" pitchFamily="34" charset="0"/>
-                <a:cs typeface="Verdana" pitchFamily="34" charset="0"/>
-              </a:rPr>
-              <a:t>KeepAliveD</a:t>
-            </a:r>
-            <a:r>
-              <a:rPr lang="en-US" b="1" dirty="0" smtClean="0">
-                <a:solidFill>
-                  <a:srgbClr val="13629B"/>
-                </a:solidFill>
-                <a:latin typeface="Verdana" pitchFamily="34" charset="0"/>
-                <a:ea typeface="Verdana" pitchFamily="34" charset="0"/>
-                <a:cs typeface="Verdana" pitchFamily="34" charset="0"/>
-              </a:rPr>
-              <a:t>, </a:t>
-            </a:r>
-            <a:r>
-              <a:rPr lang="en-US" b="1" dirty="0" err="1" smtClean="0">
-                <a:solidFill>
-                  <a:srgbClr val="13629B"/>
-                </a:solidFill>
-                <a:latin typeface="Verdana" pitchFamily="34" charset="0"/>
-                <a:ea typeface="Verdana" pitchFamily="34" charset="0"/>
-                <a:cs typeface="Verdana" pitchFamily="34" charset="0"/>
-              </a:rPr>
-              <a:t>rSync</a:t>
-            </a:r>
-            <a:r>
-              <a:rPr lang="en-US" b="1" dirty="0" smtClean="0">
-                <a:solidFill>
-                  <a:srgbClr val="13629B"/>
-                </a:solidFill>
-                <a:latin typeface="Verdana" pitchFamily="34" charset="0"/>
-                <a:ea typeface="Verdana" pitchFamily="34" charset="0"/>
-                <a:cs typeface="Verdana" pitchFamily="34" charset="0"/>
-              </a:rPr>
-              <a:t>, </a:t>
-            </a:r>
-            <a:r>
-              <a:rPr lang="en-US" b="1" dirty="0" err="1" smtClean="0">
-                <a:solidFill>
-                  <a:srgbClr val="13629B"/>
-                </a:solidFill>
-                <a:latin typeface="Verdana" pitchFamily="34" charset="0"/>
-                <a:ea typeface="Verdana" pitchFamily="34" charset="0"/>
-                <a:cs typeface="Verdana" pitchFamily="34" charset="0"/>
-              </a:rPr>
-              <a:t>MySQLdum</a:t>
-            </a:r>
-            <a:r>
-              <a:rPr lang="en-US" b="1" dirty="0" err="1">
-                <a:solidFill>
-                  <a:srgbClr val="13629B"/>
-                </a:solidFill>
-                <a:latin typeface="Verdana" pitchFamily="34" charset="0"/>
-                <a:ea typeface="Verdana" pitchFamily="34" charset="0"/>
-                <a:cs typeface="Verdana" pitchFamily="34" charset="0"/>
-              </a:rPr>
-              <a:t>p</a:t>
-            </a:r>
-            <a:endParaRPr lang="ru-RU" b="1" dirty="0">
-              <a:solidFill>
-                <a:srgbClr val="13629B"/>
-              </a:solidFill>
-              <a:latin typeface="Verdana" pitchFamily="34" charset="0"/>
-              <a:ea typeface="Verdana" pitchFamily="34" charset="0"/>
-              <a:cs typeface="Verdana" pitchFamily="34" charset="0"/>
-            </a:endParaRPr>
-          </a:p>
-          <a:p>
-            <a:endParaRPr lang="ru-RU" b="1" dirty="0">
-              <a:solidFill>
-                <a:srgbClr val="13629B"/>
-              </a:solidFill>
-              <a:latin typeface="Verdana" pitchFamily="34" charset="0"/>
-              <a:ea typeface="Verdana" pitchFamily="34" charset="0"/>
-              <a:cs typeface="Verdana" pitchFamily="34" charset="0"/>
-            </a:endParaRPr>
-          </a:p>
-          <a:p>
-            <a:r>
-              <a:rPr lang="ru-RU" b="1" dirty="0">
-                <a:solidFill>
-                  <a:srgbClr val="13629B"/>
-                </a:solidFill>
-                <a:latin typeface="Verdana" pitchFamily="34" charset="0"/>
-                <a:ea typeface="Verdana" pitchFamily="34" charset="0"/>
-                <a:cs typeface="Verdana" pitchFamily="34" charset="0"/>
-              </a:rPr>
-              <a:t>Управление пользователями и </a:t>
-            </a:r>
-            <a:r>
-              <a:rPr lang="ru-RU" b="1" dirty="0" smtClean="0">
-                <a:solidFill>
-                  <a:srgbClr val="13629B"/>
-                </a:solidFill>
-                <a:latin typeface="Verdana" pitchFamily="34" charset="0"/>
-                <a:ea typeface="Verdana" pitchFamily="34" charset="0"/>
-                <a:cs typeface="Verdana" pitchFamily="34" charset="0"/>
-              </a:rPr>
-              <a:t>доступом </a:t>
-            </a:r>
-            <a:endParaRPr lang="en-US" b="1" dirty="0" smtClean="0">
-              <a:solidFill>
-                <a:srgbClr val="13629B"/>
-              </a:solidFill>
-              <a:latin typeface="Verdana" pitchFamily="34" charset="0"/>
-              <a:ea typeface="Verdana" pitchFamily="34" charset="0"/>
-              <a:cs typeface="Verdana" pitchFamily="34" charset="0"/>
-            </a:endParaRPr>
-          </a:p>
-          <a:p>
-            <a:pPr marL="0" indent="0">
-              <a:buNone/>
-            </a:pPr>
-            <a:r>
-              <a:rPr lang="ru-RU" b="1" dirty="0" smtClean="0">
-                <a:solidFill>
-                  <a:srgbClr val="13629B"/>
-                </a:solidFill>
-                <a:latin typeface="Verdana" pitchFamily="34" charset="0"/>
-                <a:ea typeface="Verdana" pitchFamily="34" charset="0"/>
-                <a:cs typeface="Verdana" pitchFamily="34" charset="0"/>
-              </a:rPr>
-              <a:t>- </a:t>
-            </a:r>
-            <a:r>
-              <a:rPr lang="en-US" b="1" dirty="0" smtClean="0">
-                <a:solidFill>
-                  <a:srgbClr val="13629B"/>
-                </a:solidFill>
-                <a:latin typeface="Verdana" pitchFamily="34" charset="0"/>
-                <a:ea typeface="Verdana" pitchFamily="34" charset="0"/>
-                <a:cs typeface="Verdana" pitchFamily="34" charset="0"/>
-              </a:rPr>
-              <a:t>ADDS</a:t>
-            </a:r>
-            <a:endParaRPr lang="ru-RU" b="1" dirty="0">
-              <a:solidFill>
-                <a:srgbClr val="13629B"/>
-              </a:solidFill>
-              <a:latin typeface="Verdana" pitchFamily="34" charset="0"/>
-              <a:ea typeface="Verdana" pitchFamily="34" charset="0"/>
-              <a:cs typeface="Verdana" pitchFamily="34" charset="0"/>
-            </a:endParaRPr>
-          </a:p>
-          <a:p>
-            <a:endParaRPr lang="ru-RU" b="1" dirty="0">
-              <a:solidFill>
-                <a:srgbClr val="13629B"/>
-              </a:solidFill>
-              <a:latin typeface="Verdana" pitchFamily="34" charset="0"/>
-              <a:ea typeface="Verdana" pitchFamily="34" charset="0"/>
-              <a:cs typeface="Verdana" pitchFamily="34" charset="0"/>
-            </a:endParaRPr>
-          </a:p>
-          <a:p>
-            <a:r>
-              <a:rPr lang="ru-RU" b="1" dirty="0">
-                <a:solidFill>
-                  <a:srgbClr val="13629B"/>
-                </a:solidFill>
-                <a:latin typeface="Verdana" pitchFamily="34" charset="0"/>
-                <a:ea typeface="Verdana" pitchFamily="34" charset="0"/>
-                <a:cs typeface="Verdana" pitchFamily="34" charset="0"/>
-              </a:rPr>
-              <a:t>Защита </a:t>
-            </a:r>
-            <a:r>
-              <a:rPr lang="ru-RU" b="1" dirty="0" smtClean="0">
-                <a:solidFill>
-                  <a:srgbClr val="13629B"/>
-                </a:solidFill>
-                <a:latin typeface="Verdana" pitchFamily="34" charset="0"/>
-                <a:ea typeface="Verdana" pitchFamily="34" charset="0"/>
-                <a:cs typeface="Verdana" pitchFamily="34" charset="0"/>
-              </a:rPr>
-              <a:t>данных</a:t>
-            </a:r>
-            <a:r>
-              <a:rPr lang="en-US" b="1" dirty="0" smtClean="0">
-                <a:solidFill>
-                  <a:srgbClr val="13629B"/>
-                </a:solidFill>
-                <a:latin typeface="Verdana" pitchFamily="34" charset="0"/>
-                <a:ea typeface="Verdana" pitchFamily="34" charset="0"/>
-                <a:cs typeface="Verdana" pitchFamily="34" charset="0"/>
-              </a:rPr>
-              <a:t> </a:t>
-            </a:r>
-          </a:p>
-          <a:p>
-            <a:pPr marL="0" indent="0">
-              <a:buNone/>
-            </a:pPr>
-            <a:r>
-              <a:rPr lang="en-US" b="1" dirty="0" smtClean="0">
-                <a:solidFill>
-                  <a:srgbClr val="13629B"/>
-                </a:solidFill>
-                <a:latin typeface="Verdana" pitchFamily="34" charset="0"/>
-                <a:ea typeface="Verdana" pitchFamily="34" charset="0"/>
-                <a:cs typeface="Verdana" pitchFamily="34" charset="0"/>
-              </a:rPr>
-              <a:t>– EFS, LUKS</a:t>
-            </a:r>
-          </a:p>
-          <a:p>
-            <a:pPr marL="0" indent="0">
-              <a:buNone/>
-            </a:pPr>
-            <a:endParaRPr lang="ru-RU" b="1" dirty="0">
-              <a:solidFill>
-                <a:srgbClr val="13629B"/>
-              </a:solidFill>
-              <a:latin typeface="Verdana" pitchFamily="34" charset="0"/>
-              <a:ea typeface="Verdana" pitchFamily="34" charset="0"/>
-              <a:cs typeface="Verdana" pitchFamily="34" charset="0"/>
-            </a:endParaRPr>
-          </a:p>
-          <a:p>
-            <a:r>
-              <a:rPr lang="ru-RU" b="1" dirty="0">
-                <a:solidFill>
-                  <a:srgbClr val="13629B"/>
-                </a:solidFill>
-                <a:latin typeface="Verdana" pitchFamily="34" charset="0"/>
-                <a:ea typeface="Verdana" pitchFamily="34" charset="0"/>
-                <a:cs typeface="Verdana" pitchFamily="34" charset="0"/>
-              </a:rPr>
-              <a:t>Мониторинг </a:t>
-            </a:r>
-            <a:r>
-              <a:rPr lang="ru-RU" b="1" dirty="0" smtClean="0">
-                <a:solidFill>
-                  <a:srgbClr val="13629B"/>
-                </a:solidFill>
-                <a:latin typeface="Verdana" pitchFamily="34" charset="0"/>
-                <a:ea typeface="Verdana" pitchFamily="34" charset="0"/>
-                <a:cs typeface="Verdana" pitchFamily="34" charset="0"/>
-              </a:rPr>
-              <a:t>сети</a:t>
-            </a:r>
-            <a:r>
-              <a:rPr lang="en-US" b="1" dirty="0" smtClean="0">
-                <a:solidFill>
-                  <a:srgbClr val="13629B"/>
-                </a:solidFill>
-                <a:latin typeface="Verdana" pitchFamily="34" charset="0"/>
-                <a:ea typeface="Verdana" pitchFamily="34" charset="0"/>
-                <a:cs typeface="Verdana" pitchFamily="34" charset="0"/>
-              </a:rPr>
-              <a:t> </a:t>
-            </a:r>
-          </a:p>
-          <a:p>
-            <a:pPr marL="0" indent="0">
-              <a:buNone/>
-            </a:pPr>
-            <a:r>
-              <a:rPr lang="en-US" b="1" dirty="0" smtClean="0">
-                <a:solidFill>
-                  <a:srgbClr val="13629B"/>
-                </a:solidFill>
-                <a:latin typeface="Verdana" pitchFamily="34" charset="0"/>
-                <a:ea typeface="Verdana" pitchFamily="34" charset="0"/>
-                <a:cs typeface="Verdana" pitchFamily="34" charset="0"/>
-              </a:rPr>
-              <a:t>- </a:t>
-            </a:r>
-            <a:r>
-              <a:rPr lang="en-US" b="1" dirty="0" err="1" smtClean="0">
-                <a:solidFill>
-                  <a:srgbClr val="13629B"/>
-                </a:solidFill>
-                <a:latin typeface="Verdana" pitchFamily="34" charset="0"/>
-                <a:ea typeface="Verdana" pitchFamily="34" charset="0"/>
-                <a:cs typeface="Verdana" pitchFamily="34" charset="0"/>
-              </a:rPr>
-              <a:t>Zabbix</a:t>
-            </a:r>
-            <a:endParaRPr lang="ru-RU" b="1" dirty="0">
-              <a:solidFill>
-                <a:srgbClr val="13629B"/>
-              </a:solidFill>
-              <a:latin typeface="Verdana" pitchFamily="34" charset="0"/>
-              <a:ea typeface="Verdana" pitchFamily="34" charset="0"/>
-              <a:cs typeface="Verdana" pitchFamily="34" charset="0"/>
-            </a:endParaRPr>
-          </a:p>
-        </p:txBody>
-      </p:sp>
-      <p:sp>
-        <p:nvSpPr>
-          <p:cNvPr id="4" name="Номер слайда 3"/>
-          <p:cNvSpPr>
-            <a:spLocks noGrp="1"/>
-          </p:cNvSpPr>
-          <p:nvPr>
-            <p:ph type="sldNum" sz="quarter" idx="12"/>
-          </p:nvPr>
-        </p:nvSpPr>
-        <p:spPr/>
-        <p:txBody>
-          <a:bodyPr/>
-          <a:lstStyle/>
-          <a:p>
-            <a:fld id="{93285C2B-7BBD-4D1D-91C4-7172CF0EB6EA}" type="slidenum">
-              <a:rPr lang="ru-RU" smtClean="0"/>
-              <a:pPr/>
-              <a:t>3</a:t>
-            </a:fld>
-            <a:endParaRPr lang="ru-RU"/>
-          </a:p>
-        </p:txBody>
-      </p:sp>
-    </p:spTree>
-  </p:cSld>
-  <p:clrMapOvr>
-    <a:masterClrMapping/>
-  </p:clrMapOvr>
-  <p:timing>
-    <p:tnLst>
-      <p:par>
-        <p:cTn id="1" dur="indefinite" restart="never" nodeType="tmRoot"/>
-      </p:par>
-    </p:tnLst>
-  </p:timing>
-</p:sld>
-</file>
-
-<file path=ppt/slides/slide4.xml><?xml version="1.0" encoding="utf-8"?>
-<p:sld xmlns:a="http://schemas.openxmlformats.org/drawingml/2006/main" xmlns:r="http://schemas.openxmlformats.org/officeDocument/2006/relationships" xmlns:p="http://schemas.openxmlformats.org/presentationml/2006/main">
-  <p:cSld>
-    <p:spTree>
-      <p:nvGrpSpPr>
-        <p:cNvPr id="1" name=""/>
-        <p:cNvGrpSpPr/>
-        <p:nvPr/>
-      </p:nvGrpSpPr>
-      <p:grpSpPr>
-        <a:xfrm>
-          <a:off x="0" y="0"/>
-          <a:ext cx="0" cy="0"/>
-          <a:chOff x="0" y="0"/>
-          <a:chExt cx="0" cy="0"/>
-        </a:xfrm>
-      </p:grpSpPr>
-      <p:sp>
-        <p:nvSpPr>
-          <p:cNvPr id="2" name="Заголовок 1"/>
-          <p:cNvSpPr>
-            <a:spLocks noGrp="1"/>
-          </p:cNvSpPr>
-          <p:nvPr>
-            <p:ph type="title"/>
-          </p:nvPr>
-        </p:nvSpPr>
-        <p:spPr/>
-        <p:txBody>
           <a:bodyPr>
             <a:normAutofit fontScale="90000"/>
           </a:bodyPr>
@@ -4826,7 +4743,7 @@
             <a:fld id="{93285C2B-7BBD-4D1D-91C4-7172CF0EB6EA}" type="slidenum">
               <a:rPr lang="ru-RU" smtClean="0"/>
               <a:pPr/>
-              <a:t>4</a:t>
+              <a:t>3</a:t>
             </a:fld>
             <a:endParaRPr lang="ru-RU"/>
           </a:p>
@@ -4852,7 +4769,7 @@
 </p:sld>
 </file>
 
-<file path=ppt/slides/slide5.xml><?xml version="1.0" encoding="utf-8"?>
+<file path=ppt/slides/slide4.xml><?xml version="1.0" encoding="utf-8"?>
 <p:sld xmlns:a="http://schemas.openxmlformats.org/drawingml/2006/main" xmlns:r="http://schemas.openxmlformats.org/officeDocument/2006/relationships" xmlns:p="http://schemas.openxmlformats.org/presentationml/2006/main">
   <p:cSld>
     <p:spTree>
@@ -4966,18 +4883,7 @@
                 <a:ea typeface="Verdana" pitchFamily="34" charset="0"/>
                 <a:cs typeface="Verdana" pitchFamily="34" charset="0"/>
               </a:rPr>
-              <a:t>WordPress + Nginx + </a:t>
-            </a:r>
-            <a:r>
-              <a:rPr lang="en-US" sz="2000" b="1" dirty="0" smtClean="0">
-                <a:solidFill>
-                  <a:srgbClr val="13629B"/>
-                </a:solidFill>
-                <a:latin typeface="Verdana" pitchFamily="34" charset="0"/>
-                <a:ea typeface="Verdana" pitchFamily="34" charset="0"/>
-                <a:cs typeface="Verdana" pitchFamily="34" charset="0"/>
-              </a:rPr>
-              <a:t>MySQL</a:t>
+              <a:t>WordPress + Nginx + MySQL</a:t>
             </a:r>
             <a:endParaRPr lang="ru-RU" sz="2000" b="1" dirty="0" smtClean="0">
               <a:solidFill>
@@ -5174,7 +5080,7 @@
             <a:fld id="{93285C2B-7BBD-4D1D-91C4-7172CF0EB6EA}" type="slidenum">
               <a:rPr lang="ru-RU" smtClean="0"/>
               <a:pPr/>
-              <a:t>5</a:t>
+              <a:t>4</a:t>
             </a:fld>
             <a:endParaRPr lang="ru-RU"/>
           </a:p>
@@ -5257,7 +5163,7 @@
 </p:sld>
 </file>
 
-<file path=ppt/slides/slide6.xml><?xml version="1.0" encoding="utf-8"?>
+<file path=ppt/slides/slide5.xml><?xml version="1.0" encoding="utf-8"?>
 <p:sld xmlns:a="http://schemas.openxmlformats.org/drawingml/2006/main" xmlns:r="http://schemas.openxmlformats.org/officeDocument/2006/relationships" xmlns:p="http://schemas.openxmlformats.org/presentationml/2006/main">
   <p:cSld>
     <p:spTree>
@@ -5516,7 +5422,7 @@
             <a:fld id="{93285C2B-7BBD-4D1D-91C4-7172CF0EB6EA}" type="slidenum">
               <a:rPr lang="ru-RU" smtClean="0"/>
               <a:pPr/>
-              <a:t>6</a:t>
+              <a:t>5</a:t>
             </a:fld>
             <a:endParaRPr lang="ru-RU"/>
           </a:p>
@@ -5542,7 +5448,7 @@
 </p:sld>
 </file>
 
-<file path=ppt/slides/slide7.xml><?xml version="1.0" encoding="utf-8"?>
+<file path=ppt/slides/slide6.xml><?xml version="1.0" encoding="utf-8"?>
 <p:sld xmlns:a="http://schemas.openxmlformats.org/drawingml/2006/main" xmlns:r="http://schemas.openxmlformats.org/officeDocument/2006/relationships" xmlns:p="http://schemas.openxmlformats.org/presentationml/2006/main">
   <p:cSld>
     <p:spTree>
@@ -5852,7 +5758,7 @@
             <a:fld id="{93285C2B-7BBD-4D1D-91C4-7172CF0EB6EA}" type="slidenum">
               <a:rPr lang="ru-RU" smtClean="0"/>
               <a:pPr/>
-              <a:t>7</a:t>
+              <a:t>6</a:t>
             </a:fld>
             <a:endParaRPr lang="ru-RU"/>
           </a:p>
@@ -5878,7 +5784,7 @@
 </p:sld>
 </file>
 
-<file path=ppt/slides/slide8.xml><?xml version="1.0" encoding="utf-8"?>
+<file path=ppt/slides/slide7.xml><?xml version="1.0" encoding="utf-8"?>
 <p:sld xmlns:a="http://schemas.openxmlformats.org/drawingml/2006/main" xmlns:r="http://schemas.openxmlformats.org/officeDocument/2006/relationships" xmlns:p="http://schemas.openxmlformats.org/presentationml/2006/main">
   <p:cSld>
     <p:spTree>
@@ -6224,7 +6130,7 @@
             <a:fld id="{93285C2B-7BBD-4D1D-91C4-7172CF0EB6EA}" type="slidenum">
               <a:rPr lang="ru-RU" smtClean="0"/>
               <a:pPr/>
-              <a:t>8</a:t>
+              <a:t>7</a:t>
             </a:fld>
             <a:endParaRPr lang="ru-RU"/>
           </a:p>
@@ -6250,7 +6156,7 @@
 </p:sld>
 </file>
 
-<file path=ppt/slides/slide9.xml><?xml version="1.0" encoding="utf-8"?>
+<file path=ppt/slides/slide8.xml><?xml version="1.0" encoding="utf-8"?>
 <p:sld xmlns:a="http://schemas.openxmlformats.org/drawingml/2006/main" xmlns:r="http://schemas.openxmlformats.org/officeDocument/2006/relationships" xmlns:p="http://schemas.openxmlformats.org/presentationml/2006/main">
   <p:cSld>
     <p:bg>
@@ -6450,7 +6356,7 @@
             <a:fld id="{93285C2B-7BBD-4D1D-91C4-7172CF0EB6EA}" type="slidenum">
               <a:rPr lang="ru-RU" smtClean="0"/>
               <a:pPr/>
-              <a:t>9</a:t>
+              <a:t>8</a:t>
             </a:fld>
             <a:endParaRPr lang="ru-RU"/>
           </a:p>
@@ -7047,6 +6953,12 @@
 </file>
 
 <file path=customXml/item2.xml><?xml version="1.0" encoding="utf-8"?>
+<p:properties xmlns:p="http://schemas.microsoft.com/office/2006/metadata/properties" xmlns:xsi="http://www.w3.org/2001/XMLSchema-instance" xmlns:pc="http://schemas.microsoft.com/office/infopath/2007/PartnerControls">
+  <documentManagement/>
+</p:properties>
+</file>
+
+<file path=customXml/item3.xml><?xml version="1.0" encoding="utf-8"?>
 <ct:contentTypeSchema xmlns:ct="http://schemas.microsoft.com/office/2006/metadata/contentType" xmlns:ma="http://schemas.microsoft.com/office/2006/metadata/properties/metaAttributes" ct:_="" ma:_="" ma:contentTypeName="Документ" ma:contentTypeID="0x0101001F535EE9B1193346BBE731A074A01B06" ma:contentTypeVersion="0" ma:contentTypeDescription="Создание документа." ma:contentTypeScope="" ma:versionID="ca4e49fca41c967ac38664a354875a7e">
   <xsd:schema xmlns:xsd="http://www.w3.org/2001/XMLSchema" xmlns:xs="http://www.w3.org/2001/XMLSchema" xmlns:p="http://schemas.microsoft.com/office/2006/metadata/properties" targetNamespace="http://schemas.microsoft.com/office/2006/metadata/properties" ma:root="true" ma:fieldsID="02f955febea7e716b4e91cddba171100">
     <xsd:element name="properties">
@@ -7160,12 +7072,6 @@
 </ct:contentTypeSchema>
 </file>
 
-<file path=customXml/item3.xml><?xml version="1.0" encoding="utf-8"?>
-<p:properties xmlns:p="http://schemas.microsoft.com/office/2006/metadata/properties" xmlns:xsi="http://www.w3.org/2001/XMLSchema-instance" xmlns:pc="http://schemas.microsoft.com/office/infopath/2007/PartnerControls">
-  <documentManagement/>
-</p:properties>
-</file>
-
 <file path=customXml/itemProps1.xml><?xml version="1.0" encoding="utf-8"?>
 <ds:datastoreItem xmlns:ds="http://schemas.openxmlformats.org/officeDocument/2006/customXml" ds:itemID="{9A310CC6-B896-41EF-93D6-E0EF32089B4E}">
   <ds:schemaRefs>
@@ -7175,6 +7081,21 @@
 </file>
 
 <file path=customXml/itemProps2.xml><?xml version="1.0" encoding="utf-8"?>
+<ds:datastoreItem xmlns:ds="http://schemas.openxmlformats.org/officeDocument/2006/customXml" ds:itemID="{69397995-99AB-4CAB-B14D-97603C4B9A22}">
+  <ds:schemaRefs>
+    <ds:schemaRef ds:uri="http://purl.org/dc/terms/"/>
+    <ds:schemaRef ds:uri="http://schemas.openxmlformats.org/package/2006/metadata/core-properties"/>
+    <ds:schemaRef ds:uri="http://schemas.microsoft.com/office/2006/documentManagement/types"/>
+    <ds:schemaRef ds:uri="http://schemas.microsoft.com/office/infopath/2007/PartnerControls"/>
+    <ds:schemaRef ds:uri="http://purl.org/dc/elements/1.1/"/>
+    <ds:schemaRef ds:uri="http://schemas.microsoft.com/office/2006/metadata/properties"/>
+    <ds:schemaRef ds:uri="http://www.w3.org/XML/1998/namespace"/>
+    <ds:schemaRef ds:uri="http://purl.org/dc/dcmitype/"/>
+  </ds:schemaRefs>
+</ds:datastoreItem>
+</file>
+
+<file path=customXml/itemProps3.xml><?xml version="1.0" encoding="utf-8"?>
 <ds:datastoreItem xmlns:ds="http://schemas.openxmlformats.org/officeDocument/2006/customXml" ds:itemID="{521097CC-D451-4C56-B088-27E7C6F014AB}">
   <ds:schemaRefs>
     <ds:schemaRef ds:uri="http://schemas.microsoft.com/office/2006/metadata/contentType"/>
@@ -7188,19 +7109,4 @@
     <ds:schemaRef ds:uri="http://schemas.microsoft.com/office/infopath/2007/PartnerControls"/>
   </ds:schemaRefs>
 </ds:datastoreItem>
-</file>
-
-<file path=customXml/itemProps3.xml><?xml version="1.0" encoding="utf-8"?>
-<ds:datastoreItem xmlns:ds="http://schemas.openxmlformats.org/officeDocument/2006/customXml" ds:itemID="{69397995-99AB-4CAB-B14D-97603C4B9A22}">
-  <ds:schemaRefs>
-    <ds:schemaRef ds:uri="http://purl.org/dc/terms/"/>
-    <ds:schemaRef ds:uri="http://schemas.openxmlformats.org/package/2006/metadata/core-properties"/>
-    <ds:schemaRef ds:uri="http://schemas.microsoft.com/office/2006/documentManagement/types"/>
-    <ds:schemaRef ds:uri="http://schemas.microsoft.com/office/infopath/2007/PartnerControls"/>
-    <ds:schemaRef ds:uri="http://purl.org/dc/elements/1.1/"/>
-    <ds:schemaRef ds:uri="http://schemas.microsoft.com/office/2006/metadata/properties"/>
-    <ds:schemaRef ds:uri="http://www.w3.org/XML/1998/namespace"/>
-    <ds:schemaRef ds:uri="http://purl.org/dc/dcmitype/"/>
-  </ds:schemaRefs>
-</ds:datastoreItem>
 </file>